--- a/공학설계 자료/공학설계_2주차.pptx
+++ b/공학설계 자료/공학설계_2주차.pptx
@@ -5,10 +5,10 @@
     <p:sldMasterId id="2147483708" r:id="rId1"/>
   </p:sldMasterIdLst>
   <p:notesMasterIdLst>
-    <p:notesMasterId r:id="rId34"/>
+    <p:notesMasterId r:id="rId37"/>
   </p:notesMasterIdLst>
   <p:handoutMasterIdLst>
-    <p:handoutMasterId r:id="rId35"/>
+    <p:handoutMasterId r:id="rId38"/>
   </p:handoutMasterIdLst>
   <p:sldIdLst>
     <p:sldId id="259" r:id="rId2"/>
@@ -34,15 +34,18 @@
     <p:sldId id="299" r:id="rId22"/>
     <p:sldId id="292" r:id="rId23"/>
     <p:sldId id="285" r:id="rId24"/>
-    <p:sldId id="307" r:id="rId25"/>
-    <p:sldId id="308" r:id="rId26"/>
-    <p:sldId id="281" r:id="rId27"/>
-    <p:sldId id="309" r:id="rId28"/>
-    <p:sldId id="310" r:id="rId29"/>
-    <p:sldId id="311" r:id="rId30"/>
-    <p:sldId id="286" r:id="rId31"/>
-    <p:sldId id="312" r:id="rId32"/>
-    <p:sldId id="313" r:id="rId33"/>
+    <p:sldId id="314" r:id="rId25"/>
+    <p:sldId id="315" r:id="rId26"/>
+    <p:sldId id="307" r:id="rId27"/>
+    <p:sldId id="308" r:id="rId28"/>
+    <p:sldId id="281" r:id="rId29"/>
+    <p:sldId id="309" r:id="rId30"/>
+    <p:sldId id="310" r:id="rId31"/>
+    <p:sldId id="311" r:id="rId32"/>
+    <p:sldId id="286" r:id="rId33"/>
+    <p:sldId id="312" r:id="rId34"/>
+    <p:sldId id="313" r:id="rId35"/>
+    <p:sldId id="316" r:id="rId36"/>
   </p:sldIdLst>
   <p:sldSz cx="12192000" cy="6858000"/>
   <p:notesSz cx="6858000" cy="9144000"/>
@@ -5954,7 +5957,7 @@
           <a:p>
             <a:fld id="{22DC2647-C259-4EB5-84B8-93A3F8E54DE7}" type="datetimeFigureOut">
               <a:rPr lang="ko-KR" altLang="en-US" smtClean="0"/>
-              <a:t>2020-09-21</a:t>
+              <a:t>2020-10-13</a:t>
             </a:fld>
             <a:endParaRPr lang="ko-KR" altLang="en-US"/>
           </a:p>
@@ -6053,7 +6056,7 @@
           <a:p>
             <a:fld id="{B440BA11-FEDB-4E64-B4BE-9FDEE8123FE3}" type="datetimeFigureOut">
               <a:rPr lang="ko-KR" altLang="en-US" smtClean="0"/>
-              <a:t>2020-09-21</a:t>
+              <a:t>2020-10-13</a:t>
             </a:fld>
             <a:endParaRPr lang="ko-KR" altLang="en-US"/>
           </a:p>
@@ -6535,7 +6538,7 @@
           <a:p>
             <a:fld id="{8771C398-EBCC-4210-8AFD-1D056CED0821}" type="datetimeFigureOut">
               <a:rPr lang="ko-KR" altLang="en-US" smtClean="0"/>
-              <a:t>2020-09-21</a:t>
+              <a:t>2020-10-13</a:t>
             </a:fld>
             <a:endParaRPr lang="ko-KR" altLang="en-US"/>
           </a:p>
@@ -6705,7 +6708,7 @@
           <a:p>
             <a:fld id="{8771C398-EBCC-4210-8AFD-1D056CED0821}" type="datetimeFigureOut">
               <a:rPr lang="ko-KR" altLang="en-US" smtClean="0"/>
-              <a:t>2020-09-21</a:t>
+              <a:t>2020-10-13</a:t>
             </a:fld>
             <a:endParaRPr lang="ko-KR" altLang="en-US"/>
           </a:p>
@@ -6885,7 +6888,7 @@
           <a:p>
             <a:fld id="{8771C398-EBCC-4210-8AFD-1D056CED0821}" type="datetimeFigureOut">
               <a:rPr lang="ko-KR" altLang="en-US" smtClean="0"/>
-              <a:t>2020-09-21</a:t>
+              <a:t>2020-10-13</a:t>
             </a:fld>
             <a:endParaRPr lang="ko-KR" altLang="en-US"/>
           </a:p>
@@ -7055,7 +7058,7 @@
           <a:p>
             <a:fld id="{8771C398-EBCC-4210-8AFD-1D056CED0821}" type="datetimeFigureOut">
               <a:rPr lang="ko-KR" altLang="en-US" smtClean="0"/>
-              <a:t>2020-09-21</a:t>
+              <a:t>2020-10-13</a:t>
             </a:fld>
             <a:endParaRPr lang="ko-KR" altLang="en-US"/>
           </a:p>
@@ -7301,7 +7304,7 @@
           <a:p>
             <a:fld id="{8771C398-EBCC-4210-8AFD-1D056CED0821}" type="datetimeFigureOut">
               <a:rPr lang="ko-KR" altLang="en-US" smtClean="0"/>
-              <a:t>2020-09-21</a:t>
+              <a:t>2020-10-13</a:t>
             </a:fld>
             <a:endParaRPr lang="ko-KR" altLang="en-US"/>
           </a:p>
@@ -7533,7 +7536,7 @@
           <a:p>
             <a:fld id="{8771C398-EBCC-4210-8AFD-1D056CED0821}" type="datetimeFigureOut">
               <a:rPr lang="ko-KR" altLang="en-US" smtClean="0"/>
-              <a:t>2020-09-21</a:t>
+              <a:t>2020-10-13</a:t>
             </a:fld>
             <a:endParaRPr lang="ko-KR" altLang="en-US"/>
           </a:p>
@@ -7900,7 +7903,7 @@
           <a:p>
             <a:fld id="{8771C398-EBCC-4210-8AFD-1D056CED0821}" type="datetimeFigureOut">
               <a:rPr lang="ko-KR" altLang="en-US" smtClean="0"/>
-              <a:t>2020-09-21</a:t>
+              <a:t>2020-10-13</a:t>
             </a:fld>
             <a:endParaRPr lang="ko-KR" altLang="en-US"/>
           </a:p>
@@ -8018,7 +8021,7 @@
           <a:p>
             <a:fld id="{8771C398-EBCC-4210-8AFD-1D056CED0821}" type="datetimeFigureOut">
               <a:rPr lang="ko-KR" altLang="en-US" smtClean="0"/>
-              <a:t>2020-09-21</a:t>
+              <a:t>2020-10-13</a:t>
             </a:fld>
             <a:endParaRPr lang="ko-KR" altLang="en-US"/>
           </a:p>
@@ -8113,7 +8116,7 @@
           <a:p>
             <a:fld id="{8771C398-EBCC-4210-8AFD-1D056CED0821}" type="datetimeFigureOut">
               <a:rPr lang="ko-KR" altLang="en-US" smtClean="0"/>
-              <a:t>2020-09-21</a:t>
+              <a:t>2020-10-13</a:t>
             </a:fld>
             <a:endParaRPr lang="ko-KR" altLang="en-US"/>
           </a:p>
@@ -8390,7 +8393,7 @@
           <a:p>
             <a:fld id="{8771C398-EBCC-4210-8AFD-1D056CED0821}" type="datetimeFigureOut">
               <a:rPr lang="ko-KR" altLang="en-US" smtClean="0"/>
-              <a:t>2020-09-21</a:t>
+              <a:t>2020-10-13</a:t>
             </a:fld>
             <a:endParaRPr lang="ko-KR" altLang="en-US"/>
           </a:p>
@@ -8647,7 +8650,7 @@
           <a:p>
             <a:fld id="{8771C398-EBCC-4210-8AFD-1D056CED0821}" type="datetimeFigureOut">
               <a:rPr lang="ko-KR" altLang="en-US" smtClean="0"/>
-              <a:t>2020-09-21</a:t>
+              <a:t>2020-10-13</a:t>
             </a:fld>
             <a:endParaRPr lang="ko-KR" altLang="en-US"/>
           </a:p>
@@ -8863,7 +8866,7 @@
           <a:p>
             <a:fld id="{8771C398-EBCC-4210-8AFD-1D056CED0821}" type="datetimeFigureOut">
               <a:rPr lang="ko-KR" altLang="en-US" smtClean="0"/>
-              <a:t>2020-09-21</a:t>
+              <a:t>2020-10-13</a:t>
             </a:fld>
             <a:endParaRPr lang="ko-KR" altLang="en-US"/>
           </a:p>
@@ -22292,6 +22295,1819 @@
         </p:nvGrpSpPr>
         <p:grpSpPr>
           <a:xfrm>
+            <a:off x="7353746" y="1398131"/>
+            <a:ext cx="4768181" cy="1639280"/>
+            <a:chOff x="102323" y="3738357"/>
+            <a:chExt cx="4768181" cy="1180391"/>
+          </a:xfrm>
+        </p:grpSpPr>
+        <p:sp>
+          <p:nvSpPr>
+            <p:cNvPr id="31" name="TextBox 30"/>
+            <p:cNvSpPr txBox="1"/>
+            <p:nvPr/>
+          </p:nvSpPr>
+          <p:spPr>
+            <a:xfrm>
+              <a:off x="102324" y="3738357"/>
+              <a:ext cx="1535998" cy="461665"/>
+            </a:xfrm>
+            <a:prstGeom prst="rect">
+              <a:avLst/>
+            </a:prstGeom>
+            <a:noFill/>
+          </p:spPr>
+          <p:txBody>
+            <a:bodyPr wrap="none" rtlCol="0">
+              <a:spAutoFit/>
+            </a:bodyPr>
+            <a:lstStyle/>
+            <a:p>
+              <a:r>
+                <a:rPr lang="en-US" altLang="ko-KR" sz="2400" dirty="0">
+                  <a:solidFill>
+                    <a:schemeClr val="tx2"/>
+                  </a:solidFill>
+                </a:rPr>
+                <a:t>10</a:t>
+              </a:r>
+              <a:r>
+                <a:rPr lang="ko-KR" altLang="en-US" sz="2400" dirty="0">
+                  <a:solidFill>
+                    <a:schemeClr val="tx2"/>
+                  </a:solidFill>
+                </a:rPr>
+                <a:t>월 일정</a:t>
+              </a:r>
+            </a:p>
+          </p:txBody>
+        </p:sp>
+        <p:sp>
+          <p:nvSpPr>
+            <p:cNvPr id="32" name="TextBox 31"/>
+            <p:cNvSpPr txBox="1"/>
+            <p:nvPr/>
+          </p:nvSpPr>
+          <p:spPr>
+            <a:xfrm>
+              <a:off x="102323" y="4231727"/>
+              <a:ext cx="4768181" cy="687021"/>
+            </a:xfrm>
+            <a:prstGeom prst="rect">
+              <a:avLst/>
+            </a:prstGeom>
+            <a:noFill/>
+          </p:spPr>
+          <p:txBody>
+            <a:bodyPr wrap="square" rtlCol="0">
+              <a:spAutoFit/>
+            </a:bodyPr>
+            <a:lstStyle/>
+            <a:p>
+              <a:r>
+                <a:rPr lang="ko-KR" altLang="en-US" sz="1100" dirty="0">
+                  <a:latin typeface="HY견고딕" panose="02030600000101010101" pitchFamily="18" charset="-127"/>
+                  <a:ea typeface="HY견고딕" panose="02030600000101010101" pitchFamily="18" charset="-127"/>
+                </a:rPr>
+                <a:t>서버 </a:t>
+              </a:r>
+              <a:r>
+                <a:rPr lang="en-US" altLang="ko-KR" sz="1100" dirty="0">
+                  <a:latin typeface="HY견고딕" panose="02030600000101010101" pitchFamily="18" charset="-127"/>
+                  <a:ea typeface="HY견고딕" panose="02030600000101010101" pitchFamily="18" charset="-127"/>
+                </a:rPr>
+                <a:t>_ </a:t>
+              </a:r>
+              <a:r>
+                <a:rPr lang="ko-KR" altLang="en-US" sz="1100" dirty="0">
+                  <a:latin typeface="HY견고딕" panose="02030600000101010101" pitchFamily="18" charset="-127"/>
+                  <a:ea typeface="HY견고딕" panose="02030600000101010101" pitchFamily="18" charset="-127"/>
+                </a:rPr>
+                <a:t>어떠한 클라우드 서버를 이용할지</a:t>
+              </a:r>
+              <a:r>
+                <a:rPr lang="en-US" altLang="ko-KR" sz="1100" dirty="0">
+                  <a:latin typeface="HY견고딕" panose="02030600000101010101" pitchFamily="18" charset="-127"/>
+                  <a:ea typeface="HY견고딕" panose="02030600000101010101" pitchFamily="18" charset="-127"/>
+                </a:rPr>
+                <a:t>, </a:t>
+              </a:r>
+              <a:r>
+                <a:rPr lang="ko-KR" altLang="en-US" sz="1100" dirty="0">
+                  <a:latin typeface="HY견고딕" panose="02030600000101010101" pitchFamily="18" charset="-127"/>
+                  <a:ea typeface="HY견고딕" panose="02030600000101010101" pitchFamily="18" charset="-127"/>
+                </a:rPr>
+                <a:t>그리고 그에 대한 공부</a:t>
+              </a:r>
+              <a:endParaRPr lang="en-US" altLang="ko-KR" sz="1100" dirty="0">
+                <a:latin typeface="HY견고딕" panose="02030600000101010101" pitchFamily="18" charset="-127"/>
+                <a:ea typeface="HY견고딕" panose="02030600000101010101" pitchFamily="18" charset="-127"/>
+              </a:endParaRPr>
+            </a:p>
+            <a:p>
+              <a:endParaRPr lang="en-US" altLang="ko-KR" sz="1100" dirty="0">
+                <a:latin typeface="HY견고딕" panose="02030600000101010101" pitchFamily="18" charset="-127"/>
+                <a:ea typeface="HY견고딕" panose="02030600000101010101" pitchFamily="18" charset="-127"/>
+              </a:endParaRPr>
+            </a:p>
+            <a:p>
+              <a:r>
+                <a:rPr lang="ko-KR" altLang="en-US" sz="1100" dirty="0">
+                  <a:latin typeface="HY견고딕" panose="02030600000101010101" pitchFamily="18" charset="-127"/>
+                  <a:ea typeface="HY견고딕" panose="02030600000101010101" pitchFamily="18" charset="-127"/>
+                </a:rPr>
+                <a:t>공공 </a:t>
+              </a:r>
+              <a:r>
+                <a:rPr lang="en-US" altLang="ko-KR" sz="1100" dirty="0">
+                  <a:latin typeface="HY견고딕" panose="02030600000101010101" pitchFamily="18" charset="-127"/>
+                  <a:ea typeface="HY견고딕" panose="02030600000101010101" pitchFamily="18" charset="-127"/>
+                </a:rPr>
+                <a:t>API _ </a:t>
+              </a:r>
+              <a:r>
+                <a:rPr lang="ko-KR" altLang="en-US" sz="1100" dirty="0">
+                  <a:latin typeface="HY견고딕" panose="02030600000101010101" pitchFamily="18" charset="-127"/>
+                  <a:ea typeface="HY견고딕" panose="02030600000101010101" pitchFamily="18" charset="-127"/>
+                </a:rPr>
+                <a:t>공공 데이터를 받는 방법</a:t>
+              </a:r>
+              <a:r>
+                <a:rPr lang="en-US" altLang="ko-KR" sz="1100" dirty="0">
+                  <a:latin typeface="HY견고딕" panose="02030600000101010101" pitchFamily="18" charset="-127"/>
+                  <a:ea typeface="HY견고딕" panose="02030600000101010101" pitchFamily="18" charset="-127"/>
+                </a:rPr>
+                <a:t>, </a:t>
+              </a:r>
+              <a:r>
+                <a:rPr lang="ko-KR" altLang="en-US" sz="1100" dirty="0">
+                  <a:latin typeface="HY견고딕" panose="02030600000101010101" pitchFamily="18" charset="-127"/>
+                  <a:ea typeface="HY견고딕" panose="02030600000101010101" pitchFamily="18" charset="-127"/>
+                </a:rPr>
+                <a:t>그리고 공공</a:t>
+              </a:r>
+              <a:r>
+                <a:rPr lang="en-US" altLang="ko-KR" sz="1100" dirty="0">
+                  <a:latin typeface="HY견고딕" panose="02030600000101010101" pitchFamily="18" charset="-127"/>
+                  <a:ea typeface="HY견고딕" panose="02030600000101010101" pitchFamily="18" charset="-127"/>
+                </a:rPr>
+                <a:t> API</a:t>
+              </a:r>
+              <a:r>
+                <a:rPr lang="ko-KR" altLang="en-US" sz="1100" dirty="0">
+                  <a:latin typeface="HY견고딕" panose="02030600000101010101" pitchFamily="18" charset="-127"/>
+                  <a:ea typeface="HY견고딕" panose="02030600000101010101" pitchFamily="18" charset="-127"/>
+                </a:rPr>
+                <a:t>란 무엇인지 공부</a:t>
+              </a:r>
+              <a:endParaRPr lang="en-US" altLang="ko-KR" sz="1100" dirty="0">
+                <a:latin typeface="HY견고딕" panose="02030600000101010101" pitchFamily="18" charset="-127"/>
+                <a:ea typeface="HY견고딕" panose="02030600000101010101" pitchFamily="18" charset="-127"/>
+              </a:endParaRPr>
+            </a:p>
+            <a:p>
+              <a:endParaRPr lang="en-US" altLang="ko-KR" sz="1100" dirty="0">
+                <a:latin typeface="HY견고딕" panose="02030600000101010101" pitchFamily="18" charset="-127"/>
+                <a:ea typeface="HY견고딕" panose="02030600000101010101" pitchFamily="18" charset="-127"/>
+              </a:endParaRPr>
+            </a:p>
+            <a:p>
+              <a:r>
+                <a:rPr lang="ko-KR" altLang="en-US" sz="1100" dirty="0">
+                  <a:latin typeface="HY견고딕" panose="02030600000101010101" pitchFamily="18" charset="-127"/>
+                  <a:ea typeface="HY견고딕" panose="02030600000101010101" pitchFamily="18" charset="-127"/>
+                </a:rPr>
+                <a:t>하드웨어 분야 </a:t>
+              </a:r>
+              <a:r>
+                <a:rPr lang="en-US" altLang="ko-KR" sz="1100" dirty="0">
+                  <a:latin typeface="HY견고딕" panose="02030600000101010101" pitchFamily="18" charset="-127"/>
+                  <a:ea typeface="HY견고딕" panose="02030600000101010101" pitchFamily="18" charset="-127"/>
+                </a:rPr>
+                <a:t>_ OPEN CV</a:t>
+              </a:r>
+              <a:r>
+                <a:rPr lang="ko-KR" altLang="en-US" sz="1100" dirty="0">
+                  <a:latin typeface="HY견고딕" panose="02030600000101010101" pitchFamily="18" charset="-127"/>
+                  <a:ea typeface="HY견고딕" panose="02030600000101010101" pitchFamily="18" charset="-127"/>
+                </a:rPr>
+                <a:t>의 이용</a:t>
+              </a:r>
+              <a:r>
+                <a:rPr lang="en-US" altLang="ko-KR" sz="1100" dirty="0">
+                  <a:latin typeface="HY견고딕" panose="02030600000101010101" pitchFamily="18" charset="-127"/>
+                  <a:ea typeface="HY견고딕" panose="02030600000101010101" pitchFamily="18" charset="-127"/>
+                </a:rPr>
+                <a:t>, </a:t>
+              </a:r>
+              <a:r>
+                <a:rPr lang="ko-KR" altLang="en-US" sz="1100" dirty="0">
+                  <a:latin typeface="HY견고딕" panose="02030600000101010101" pitchFamily="18" charset="-127"/>
+                  <a:ea typeface="HY견고딕" panose="02030600000101010101" pitchFamily="18" charset="-127"/>
+                </a:rPr>
+                <a:t>이미지를 통한 객체 처리 공부</a:t>
+              </a:r>
+              <a:endParaRPr lang="en-US" altLang="ko-KR" sz="1100" dirty="0">
+                <a:latin typeface="HY견고딕" panose="02030600000101010101" pitchFamily="18" charset="-127"/>
+                <a:ea typeface="HY견고딕" panose="02030600000101010101" pitchFamily="18" charset="-127"/>
+              </a:endParaRPr>
+            </a:p>
+          </p:txBody>
+        </p:sp>
+      </p:grpSp>
+      <p:cxnSp>
+        <p:nvCxnSpPr>
+          <p:cNvPr id="18" name="직선 연결선 17"/>
+          <p:cNvCxnSpPr/>
+          <p:nvPr/>
+        </p:nvCxnSpPr>
+        <p:spPr>
+          <a:xfrm>
+            <a:off x="1188881" y="273124"/>
+            <a:ext cx="10666421" cy="0"/>
+          </a:xfrm>
+          <a:prstGeom prst="line">
+            <a:avLst/>
+          </a:prstGeom>
+          <a:ln w="19050">
+            <a:solidFill>
+              <a:schemeClr val="accent6"/>
+            </a:solidFill>
+          </a:ln>
+        </p:spPr>
+        <p:style>
+          <a:lnRef idx="1">
+            <a:schemeClr val="accent1"/>
+          </a:lnRef>
+          <a:fillRef idx="0">
+            <a:schemeClr val="accent1"/>
+          </a:fillRef>
+          <a:effectRef idx="0">
+            <a:schemeClr val="accent1"/>
+          </a:effectRef>
+          <a:fontRef idx="minor">
+            <a:schemeClr val="tx1"/>
+          </a:fontRef>
+        </p:style>
+      </p:cxnSp>
+      <p:sp>
+        <p:nvSpPr>
+          <p:cNvPr id="19" name="직사각형 18"/>
+          <p:cNvSpPr/>
+          <p:nvPr/>
+        </p:nvSpPr>
+        <p:spPr>
+          <a:xfrm>
+            <a:off x="265814" y="244548"/>
+            <a:ext cx="720000" cy="720000"/>
+          </a:xfrm>
+          <a:prstGeom prst="rect">
+            <a:avLst/>
+          </a:prstGeom>
+          <a:solidFill>
+            <a:schemeClr val="accent6">
+              <a:lumMod val="60000"/>
+              <a:lumOff val="40000"/>
+            </a:schemeClr>
+          </a:solidFill>
+          <a:ln>
+            <a:noFill/>
+          </a:ln>
+        </p:spPr>
+        <p:style>
+          <a:lnRef idx="2">
+            <a:schemeClr val="accent1">
+              <a:shade val="50000"/>
+            </a:schemeClr>
+          </a:lnRef>
+          <a:fillRef idx="1">
+            <a:schemeClr val="accent1"/>
+          </a:fillRef>
+          <a:effectRef idx="0">
+            <a:schemeClr val="accent1"/>
+          </a:effectRef>
+          <a:fontRef idx="minor">
+            <a:schemeClr val="lt1"/>
+          </a:fontRef>
+        </p:style>
+        <p:txBody>
+          <a:bodyPr rot="0" spcFirstLastPara="0" vertOverflow="overflow" horzOverflow="overflow" vert="horz" wrap="square" lIns="91440" tIns="45720" rIns="91440" bIns="45720" numCol="1" spcCol="0" rtlCol="0" fromWordArt="0" anchor="ctr" anchorCtr="0" forceAA="0" compatLnSpc="1">
+            <a:prstTxWarp prst="textNoShape">
+              <a:avLst/>
+            </a:prstTxWarp>
+            <a:noAutofit/>
+          </a:bodyPr>
+          <a:lstStyle/>
+          <a:p>
+            <a:pPr algn="ctr"/>
+            <a:endParaRPr lang="ko-KR" altLang="en-US"/>
+          </a:p>
+        </p:txBody>
+      </p:sp>
+      <p:sp>
+        <p:nvSpPr>
+          <p:cNvPr id="20" name="TextBox 19"/>
+          <p:cNvSpPr txBox="1"/>
+          <p:nvPr/>
+        </p:nvSpPr>
+        <p:spPr>
+          <a:xfrm>
+            <a:off x="490138" y="323244"/>
+            <a:ext cx="259302" cy="584775"/>
+          </a:xfrm>
+          <a:prstGeom prst="rect">
+            <a:avLst/>
+          </a:prstGeom>
+          <a:noFill/>
+        </p:spPr>
+        <p:txBody>
+          <a:bodyPr wrap="square" rtlCol="0">
+            <a:spAutoFit/>
+          </a:bodyPr>
+          <a:lstStyle/>
+          <a:p>
+            <a:pPr algn="ctr"/>
+            <a:r>
+              <a:rPr lang="en-US" altLang="ko-KR" sz="3200" b="1" dirty="0">
+                <a:solidFill>
+                  <a:schemeClr val="bg1"/>
+                </a:solidFill>
+              </a:rPr>
+              <a:t>6</a:t>
+            </a:r>
+            <a:endParaRPr lang="ko-KR" altLang="en-US" sz="3200" b="1" dirty="0">
+              <a:solidFill>
+                <a:schemeClr val="bg1"/>
+              </a:solidFill>
+            </a:endParaRPr>
+          </a:p>
+        </p:txBody>
+      </p:sp>
+      <p:grpSp>
+        <p:nvGrpSpPr>
+          <p:cNvPr id="21" name="그룹 20"/>
+          <p:cNvGrpSpPr/>
+          <p:nvPr/>
+        </p:nvGrpSpPr>
+        <p:grpSpPr>
+          <a:xfrm>
+            <a:off x="1188881" y="351819"/>
+            <a:ext cx="2991525" cy="660429"/>
+            <a:chOff x="1188881" y="351819"/>
+            <a:chExt cx="2991525" cy="660429"/>
+          </a:xfrm>
+        </p:grpSpPr>
+        <p:sp>
+          <p:nvSpPr>
+            <p:cNvPr id="22" name="TextBox 21"/>
+            <p:cNvSpPr txBox="1"/>
+            <p:nvPr/>
+          </p:nvSpPr>
+          <p:spPr>
+            <a:xfrm>
+              <a:off x="1188881" y="351819"/>
+              <a:ext cx="1141659" cy="276999"/>
+            </a:xfrm>
+            <a:prstGeom prst="rect">
+              <a:avLst/>
+            </a:prstGeom>
+            <a:noFill/>
+          </p:spPr>
+          <p:txBody>
+            <a:bodyPr wrap="none" rtlCol="0">
+              <a:spAutoFit/>
+            </a:bodyPr>
+            <a:lstStyle/>
+            <a:p>
+              <a:r>
+                <a:rPr lang="en-US" altLang="ko-KR" sz="1200" dirty="0"/>
+                <a:t>006 </a:t>
+              </a:r>
+              <a:r>
+                <a:rPr lang="ko-KR" altLang="en-US" sz="1200" dirty="0"/>
+                <a:t>개발 일정</a:t>
+              </a:r>
+            </a:p>
+          </p:txBody>
+        </p:sp>
+        <p:sp>
+          <p:nvSpPr>
+            <p:cNvPr id="23" name="TextBox 22"/>
+            <p:cNvSpPr txBox="1"/>
+            <p:nvPr/>
+          </p:nvSpPr>
+          <p:spPr>
+            <a:xfrm>
+              <a:off x="1188881" y="581361"/>
+              <a:ext cx="2991525" cy="430887"/>
+            </a:xfrm>
+            <a:prstGeom prst="rect">
+              <a:avLst/>
+            </a:prstGeom>
+            <a:noFill/>
+          </p:spPr>
+          <p:txBody>
+            <a:bodyPr wrap="none" rtlCol="0">
+              <a:spAutoFit/>
+            </a:bodyPr>
+            <a:lstStyle/>
+            <a:p>
+              <a:r>
+                <a:rPr lang="en-US" altLang="ko-KR" sz="2200" dirty="0"/>
+                <a:t>10</a:t>
+              </a:r>
+              <a:r>
+                <a:rPr lang="ko-KR" altLang="en-US" sz="2200" dirty="0"/>
+                <a:t>월 일정 지난주 일정</a:t>
+              </a:r>
+            </a:p>
+          </p:txBody>
+        </p:sp>
+      </p:grpSp>
+      <p:grpSp>
+        <p:nvGrpSpPr>
+          <p:cNvPr id="17" name="그룹 16">
+            <a:extLst>
+              <a:ext uri="{FF2B5EF4-FFF2-40B4-BE49-F238E27FC236}">
+                <a16:creationId xmlns:a16="http://schemas.microsoft.com/office/drawing/2014/main" id="{17AD376F-94ED-4EB4-9E79-FC5DDAF1C009}"/>
+              </a:ext>
+            </a:extLst>
+          </p:cNvPr>
+          <p:cNvGrpSpPr/>
+          <p:nvPr/>
+        </p:nvGrpSpPr>
+        <p:grpSpPr>
+          <a:xfrm flipH="1">
+            <a:off x="5582018" y="1709770"/>
+            <a:ext cx="1716058" cy="634001"/>
+            <a:chOff x="2820400" y="3897565"/>
+            <a:chExt cx="2043700" cy="634001"/>
+          </a:xfrm>
+        </p:grpSpPr>
+        <p:grpSp>
+          <p:nvGrpSpPr>
+            <p:cNvPr id="24" name="그룹 23">
+              <a:extLst>
+                <a:ext uri="{FF2B5EF4-FFF2-40B4-BE49-F238E27FC236}">
+                  <a16:creationId xmlns:a16="http://schemas.microsoft.com/office/drawing/2014/main" id="{AC974A4F-0CBA-466A-9D21-FE8DEF1DEB89}"/>
+                </a:ext>
+              </a:extLst>
+            </p:cNvPr>
+            <p:cNvGrpSpPr/>
+            <p:nvPr/>
+          </p:nvGrpSpPr>
+          <p:grpSpPr>
+            <a:xfrm>
+              <a:off x="2820400" y="3897565"/>
+              <a:ext cx="1955800" cy="508001"/>
+              <a:chOff x="2400300" y="4470399"/>
+              <a:chExt cx="1955800" cy="508001"/>
+            </a:xfrm>
+          </p:grpSpPr>
+          <p:cxnSp>
+            <p:nvCxnSpPr>
+              <p:cNvPr id="26" name="직선 연결선 25">
+                <a:extLst>
+                  <a:ext uri="{FF2B5EF4-FFF2-40B4-BE49-F238E27FC236}">
+                    <a16:creationId xmlns:a16="http://schemas.microsoft.com/office/drawing/2014/main" id="{9D339024-E569-462A-9C66-3B419130E75B}"/>
+                  </a:ext>
+                </a:extLst>
+              </p:cNvPr>
+              <p:cNvCxnSpPr/>
+              <p:nvPr/>
+            </p:nvCxnSpPr>
+            <p:spPr>
+              <a:xfrm>
+                <a:off x="2400300" y="4470399"/>
+                <a:ext cx="1638300" cy="0"/>
+              </a:xfrm>
+              <a:prstGeom prst="line">
+                <a:avLst/>
+              </a:prstGeom>
+              <a:ln>
+                <a:solidFill>
+                  <a:schemeClr val="tx2"/>
+                </a:solidFill>
+              </a:ln>
+            </p:spPr>
+            <p:style>
+              <a:lnRef idx="1">
+                <a:schemeClr val="accent1"/>
+              </a:lnRef>
+              <a:fillRef idx="0">
+                <a:schemeClr val="accent1"/>
+              </a:fillRef>
+              <a:effectRef idx="0">
+                <a:schemeClr val="accent1"/>
+              </a:effectRef>
+              <a:fontRef idx="minor">
+                <a:schemeClr val="tx1"/>
+              </a:fontRef>
+            </p:style>
+          </p:cxnSp>
+          <p:cxnSp>
+            <p:nvCxnSpPr>
+              <p:cNvPr id="33" name="직선 연결선 32">
+                <a:extLst>
+                  <a:ext uri="{FF2B5EF4-FFF2-40B4-BE49-F238E27FC236}">
+                    <a16:creationId xmlns:a16="http://schemas.microsoft.com/office/drawing/2014/main" id="{071E462C-D3A8-4EDD-8C43-C63D2F137A06}"/>
+                  </a:ext>
+                </a:extLst>
+              </p:cNvPr>
+              <p:cNvCxnSpPr/>
+              <p:nvPr/>
+            </p:nvCxnSpPr>
+            <p:spPr>
+              <a:xfrm>
+                <a:off x="4038600" y="4470399"/>
+                <a:ext cx="317500" cy="508001"/>
+              </a:xfrm>
+              <a:prstGeom prst="line">
+                <a:avLst/>
+              </a:prstGeom>
+              <a:ln>
+                <a:solidFill>
+                  <a:schemeClr val="tx2"/>
+                </a:solidFill>
+              </a:ln>
+            </p:spPr>
+            <p:style>
+              <a:lnRef idx="1">
+                <a:schemeClr val="accent1"/>
+              </a:lnRef>
+              <a:fillRef idx="0">
+                <a:schemeClr val="accent1"/>
+              </a:fillRef>
+              <a:effectRef idx="0">
+                <a:schemeClr val="accent1"/>
+              </a:effectRef>
+              <a:fontRef idx="minor">
+                <a:schemeClr val="tx1"/>
+              </a:fontRef>
+            </p:style>
+          </p:cxnSp>
+        </p:grpSp>
+        <p:sp>
+          <p:nvSpPr>
+            <p:cNvPr id="25" name="타원 24">
+              <a:extLst>
+                <a:ext uri="{FF2B5EF4-FFF2-40B4-BE49-F238E27FC236}">
+                  <a16:creationId xmlns:a16="http://schemas.microsoft.com/office/drawing/2014/main" id="{3E5D37D6-407A-4933-9C10-AB8194FF0881}"/>
+                </a:ext>
+              </a:extLst>
+            </p:cNvPr>
+            <p:cNvSpPr/>
+            <p:nvPr/>
+          </p:nvSpPr>
+          <p:spPr>
+            <a:xfrm>
+              <a:off x="4712700" y="4380166"/>
+              <a:ext cx="151400" cy="151400"/>
+            </a:xfrm>
+            <a:prstGeom prst="ellipse">
+              <a:avLst/>
+            </a:prstGeom>
+            <a:solidFill>
+              <a:schemeClr val="tx1">
+                <a:alpha val="70000"/>
+              </a:schemeClr>
+            </a:solidFill>
+            <a:ln>
+              <a:noFill/>
+            </a:ln>
+          </p:spPr>
+          <p:style>
+            <a:lnRef idx="2">
+              <a:schemeClr val="accent1">
+                <a:shade val="50000"/>
+              </a:schemeClr>
+            </a:lnRef>
+            <a:fillRef idx="1">
+              <a:schemeClr val="accent1"/>
+            </a:fillRef>
+            <a:effectRef idx="0">
+              <a:schemeClr val="accent1"/>
+            </a:effectRef>
+            <a:fontRef idx="minor">
+              <a:schemeClr val="lt1"/>
+            </a:fontRef>
+          </p:style>
+          <p:txBody>
+            <a:bodyPr rot="0" spcFirstLastPara="0" vertOverflow="overflow" horzOverflow="overflow" vert="horz" wrap="square" lIns="91440" tIns="45720" rIns="91440" bIns="45720" numCol="1" spcCol="0" rtlCol="0" fromWordArt="0" anchor="ctr" anchorCtr="0" forceAA="0" compatLnSpc="1">
+              <a:prstTxWarp prst="textNoShape">
+                <a:avLst/>
+              </a:prstTxWarp>
+              <a:noAutofit/>
+            </a:bodyPr>
+            <a:lstStyle/>
+            <a:p>
+              <a:pPr algn="ctr"/>
+              <a:endParaRPr lang="ko-KR" altLang="en-US"/>
+            </a:p>
+          </p:txBody>
+        </p:sp>
+      </p:grpSp>
+    </p:spTree>
+    <p:extLst>
+      <p:ext uri="{BB962C8B-B14F-4D97-AF65-F5344CB8AC3E}">
+        <p14:creationId xmlns:p14="http://schemas.microsoft.com/office/powerpoint/2010/main" val="4180168991"/>
+      </p:ext>
+    </p:extLst>
+  </p:cSld>
+  <p:clrMapOvr>
+    <a:masterClrMapping/>
+  </p:clrMapOvr>
+</p:sld>
+</file>
+
+<file path=ppt/slides/slide25.xml><?xml version="1.0" encoding="utf-8"?>
+<p:sld xmlns:a="http://schemas.openxmlformats.org/drawingml/2006/main" xmlns:r="http://schemas.openxmlformats.org/officeDocument/2006/relationships" xmlns:p="http://schemas.openxmlformats.org/presentationml/2006/main">
+  <p:cSld>
+    <p:spTree>
+      <p:nvGrpSpPr>
+        <p:cNvPr id="1" name=""/>
+        <p:cNvGrpSpPr/>
+        <p:nvPr/>
+      </p:nvGrpSpPr>
+      <p:grpSpPr>
+        <a:xfrm>
+          <a:off x="0" y="0"/>
+          <a:ext cx="0" cy="0"/>
+          <a:chOff x="0" y="0"/>
+          <a:chExt cx="0" cy="0"/>
+        </a:xfrm>
+      </p:grpSpPr>
+      <p:sp>
+        <p:nvSpPr>
+          <p:cNvPr id="16" name="TextBox 15"/>
+          <p:cNvSpPr txBox="1"/>
+          <p:nvPr/>
+        </p:nvSpPr>
+        <p:spPr>
+          <a:xfrm>
+            <a:off x="9879006" y="6505575"/>
+            <a:ext cx="2242922" cy="215444"/>
+          </a:xfrm>
+          <a:prstGeom prst="rect">
+            <a:avLst/>
+          </a:prstGeom>
+          <a:noFill/>
+        </p:spPr>
+        <p:txBody>
+          <a:bodyPr wrap="none" rtlCol="0">
+            <a:spAutoFit/>
+          </a:bodyPr>
+          <a:lstStyle/>
+          <a:p>
+            <a:pPr algn="r"/>
+            <a:r>
+              <a:rPr lang="en-US" altLang="ko-KR" sz="800" dirty="0">
+                <a:solidFill>
+                  <a:schemeClr val="accent6"/>
+                </a:solidFill>
+                <a:latin typeface="+mn-ea"/>
+              </a:rPr>
+              <a:t>Copyrightⓒ. Saebyeol Yu. All Rights Reserved.</a:t>
+            </a:r>
+            <a:endParaRPr lang="ko-KR" altLang="en-US" sz="800" dirty="0">
+              <a:solidFill>
+                <a:schemeClr val="accent6"/>
+              </a:solidFill>
+              <a:latin typeface="+mn-ea"/>
+            </a:endParaRPr>
+          </a:p>
+        </p:txBody>
+      </p:sp>
+      <p:sp>
+        <p:nvSpPr>
+          <p:cNvPr id="3" name="타원 2"/>
+          <p:cNvSpPr/>
+          <p:nvPr/>
+        </p:nvSpPr>
+        <p:spPr>
+          <a:xfrm>
+            <a:off x="2003089" y="1228725"/>
+            <a:ext cx="5276850" cy="5276850"/>
+          </a:xfrm>
+          <a:prstGeom prst="ellipse">
+            <a:avLst/>
+          </a:prstGeom>
+          <a:solidFill>
+            <a:schemeClr val="bg1">
+              <a:alpha val="70000"/>
+            </a:schemeClr>
+          </a:solidFill>
+          <a:ln>
+            <a:noFill/>
+          </a:ln>
+        </p:spPr>
+        <p:style>
+          <a:lnRef idx="2">
+            <a:schemeClr val="accent1">
+              <a:shade val="50000"/>
+            </a:schemeClr>
+          </a:lnRef>
+          <a:fillRef idx="1">
+            <a:schemeClr val="accent1"/>
+          </a:fillRef>
+          <a:effectRef idx="0">
+            <a:schemeClr val="accent1"/>
+          </a:effectRef>
+          <a:fontRef idx="minor">
+            <a:schemeClr val="lt1"/>
+          </a:fontRef>
+        </p:style>
+        <p:txBody>
+          <a:bodyPr rot="0" spcFirstLastPara="0" vertOverflow="overflow" horzOverflow="overflow" vert="horz" wrap="square" lIns="91440" tIns="45720" rIns="91440" bIns="45720" numCol="1" spcCol="0" rtlCol="0" fromWordArt="0" anchor="ctr" anchorCtr="0" forceAA="0" compatLnSpc="1">
+            <a:prstTxWarp prst="textNoShape">
+              <a:avLst/>
+            </a:prstTxWarp>
+            <a:noAutofit/>
+          </a:bodyPr>
+          <a:lstStyle/>
+          <a:p>
+            <a:pPr algn="ctr"/>
+            <a:endParaRPr lang="ko-KR" altLang="en-US"/>
+          </a:p>
+        </p:txBody>
+      </p:sp>
+      <p:grpSp>
+        <p:nvGrpSpPr>
+          <p:cNvPr id="2" name="그룹 1"/>
+          <p:cNvGrpSpPr/>
+          <p:nvPr/>
+        </p:nvGrpSpPr>
+        <p:grpSpPr>
+          <a:xfrm>
+            <a:off x="2473470" y="2012097"/>
+            <a:ext cx="4318776" cy="4155071"/>
+            <a:chOff x="2511570" y="2069247"/>
+            <a:chExt cx="4318776" cy="4155071"/>
+          </a:xfrm>
+        </p:grpSpPr>
+        <p:sp>
+          <p:nvSpPr>
+            <p:cNvPr id="27" name="타원 26"/>
+            <p:cNvSpPr/>
+            <p:nvPr/>
+          </p:nvSpPr>
+          <p:spPr>
+            <a:xfrm>
+              <a:off x="2511570" y="2076819"/>
+              <a:ext cx="2420456" cy="2420457"/>
+            </a:xfrm>
+            <a:prstGeom prst="ellipse">
+              <a:avLst/>
+            </a:prstGeom>
+            <a:solidFill>
+              <a:schemeClr val="accent2">
+                <a:lumMod val="60000"/>
+                <a:lumOff val="40000"/>
+                <a:alpha val="80000"/>
+              </a:schemeClr>
+            </a:solidFill>
+            <a:ln>
+              <a:noFill/>
+            </a:ln>
+          </p:spPr>
+          <p:style>
+            <a:lnRef idx="2">
+              <a:schemeClr val="accent1">
+                <a:shade val="50000"/>
+              </a:schemeClr>
+            </a:lnRef>
+            <a:fillRef idx="1">
+              <a:schemeClr val="accent1"/>
+            </a:fillRef>
+            <a:effectRef idx="0">
+              <a:schemeClr val="accent1"/>
+            </a:effectRef>
+            <a:fontRef idx="minor">
+              <a:schemeClr val="lt1"/>
+            </a:fontRef>
+          </p:style>
+          <p:txBody>
+            <a:bodyPr rot="0" spcFirstLastPara="0" vertOverflow="overflow" horzOverflow="overflow" vert="horz" wrap="square" lIns="91440" tIns="45720" rIns="91440" bIns="45720" numCol="1" spcCol="0" rtlCol="0" fromWordArt="0" anchor="ctr" anchorCtr="0" forceAA="0" compatLnSpc="1">
+              <a:prstTxWarp prst="textNoShape">
+                <a:avLst/>
+              </a:prstTxWarp>
+              <a:noAutofit/>
+            </a:bodyPr>
+            <a:lstStyle/>
+            <a:p>
+              <a:pPr algn="ctr"/>
+              <a:endParaRPr lang="ko-KR" altLang="en-US"/>
+            </a:p>
+          </p:txBody>
+        </p:sp>
+        <p:sp>
+          <p:nvSpPr>
+            <p:cNvPr id="28" name="타원 27"/>
+            <p:cNvSpPr/>
+            <p:nvPr/>
+          </p:nvSpPr>
+          <p:spPr>
+            <a:xfrm>
+              <a:off x="4409890" y="2069247"/>
+              <a:ext cx="2420456" cy="2420457"/>
+            </a:xfrm>
+            <a:prstGeom prst="ellipse">
+              <a:avLst/>
+            </a:prstGeom>
+            <a:solidFill>
+              <a:schemeClr val="accent2">
+                <a:alpha val="40000"/>
+              </a:schemeClr>
+            </a:solidFill>
+            <a:ln>
+              <a:noFill/>
+            </a:ln>
+          </p:spPr>
+          <p:style>
+            <a:lnRef idx="2">
+              <a:schemeClr val="accent1">
+                <a:shade val="50000"/>
+              </a:schemeClr>
+            </a:lnRef>
+            <a:fillRef idx="1">
+              <a:schemeClr val="accent1"/>
+            </a:fillRef>
+            <a:effectRef idx="0">
+              <a:schemeClr val="accent1"/>
+            </a:effectRef>
+            <a:fontRef idx="minor">
+              <a:schemeClr val="lt1"/>
+            </a:fontRef>
+          </p:style>
+          <p:txBody>
+            <a:bodyPr rot="0" spcFirstLastPara="0" vertOverflow="overflow" horzOverflow="overflow" vert="horz" wrap="square" lIns="91440" tIns="45720" rIns="91440" bIns="45720" numCol="1" spcCol="0" rtlCol="0" fromWordArt="0" anchor="ctr" anchorCtr="0" forceAA="0" compatLnSpc="1">
+              <a:prstTxWarp prst="textNoShape">
+                <a:avLst/>
+              </a:prstTxWarp>
+              <a:noAutofit/>
+            </a:bodyPr>
+            <a:lstStyle/>
+            <a:p>
+              <a:pPr algn="ctr"/>
+              <a:endParaRPr lang="ko-KR" altLang="en-US"/>
+            </a:p>
+          </p:txBody>
+        </p:sp>
+        <p:sp>
+          <p:nvSpPr>
+            <p:cNvPr id="29" name="타원 28"/>
+            <p:cNvSpPr/>
+            <p:nvPr/>
+          </p:nvSpPr>
+          <p:spPr>
+            <a:xfrm>
+              <a:off x="3460730" y="3803861"/>
+              <a:ext cx="2420456" cy="2420457"/>
+            </a:xfrm>
+            <a:prstGeom prst="ellipse">
+              <a:avLst/>
+            </a:prstGeom>
+            <a:solidFill>
+              <a:schemeClr val="accent2">
+                <a:alpha val="50000"/>
+              </a:schemeClr>
+            </a:solidFill>
+            <a:ln>
+              <a:noFill/>
+            </a:ln>
+          </p:spPr>
+          <p:style>
+            <a:lnRef idx="2">
+              <a:schemeClr val="accent1">
+                <a:shade val="50000"/>
+              </a:schemeClr>
+            </a:lnRef>
+            <a:fillRef idx="1">
+              <a:schemeClr val="accent1"/>
+            </a:fillRef>
+            <a:effectRef idx="0">
+              <a:schemeClr val="accent1"/>
+            </a:effectRef>
+            <a:fontRef idx="minor">
+              <a:schemeClr val="lt1"/>
+            </a:fontRef>
+          </p:style>
+          <p:txBody>
+            <a:bodyPr rot="0" spcFirstLastPara="0" vertOverflow="overflow" horzOverflow="overflow" vert="horz" wrap="square" lIns="91440" tIns="45720" rIns="91440" bIns="45720" numCol="1" spcCol="0" rtlCol="0" fromWordArt="0" anchor="ctr" anchorCtr="0" forceAA="0" compatLnSpc="1">
+              <a:prstTxWarp prst="textNoShape">
+                <a:avLst/>
+              </a:prstTxWarp>
+              <a:noAutofit/>
+            </a:bodyPr>
+            <a:lstStyle/>
+            <a:p>
+              <a:pPr algn="ctr"/>
+              <a:endParaRPr lang="ko-KR" altLang="en-US"/>
+            </a:p>
+          </p:txBody>
+        </p:sp>
+      </p:grpSp>
+      <p:grpSp>
+        <p:nvGrpSpPr>
+          <p:cNvPr id="30" name="그룹 29"/>
+          <p:cNvGrpSpPr/>
+          <p:nvPr/>
+        </p:nvGrpSpPr>
+        <p:grpSpPr>
+          <a:xfrm>
+            <a:off x="7625718" y="1440167"/>
+            <a:ext cx="4323127" cy="2639553"/>
+            <a:chOff x="102324" y="3738357"/>
+            <a:chExt cx="4323127" cy="1900655"/>
+          </a:xfrm>
+        </p:grpSpPr>
+        <p:sp>
+          <p:nvSpPr>
+            <p:cNvPr id="31" name="TextBox 30"/>
+            <p:cNvSpPr txBox="1"/>
+            <p:nvPr/>
+          </p:nvSpPr>
+          <p:spPr>
+            <a:xfrm>
+              <a:off x="102324" y="3738357"/>
+              <a:ext cx="1535998" cy="461665"/>
+            </a:xfrm>
+            <a:prstGeom prst="rect">
+              <a:avLst/>
+            </a:prstGeom>
+            <a:noFill/>
+          </p:spPr>
+          <p:txBody>
+            <a:bodyPr wrap="none" rtlCol="0">
+              <a:spAutoFit/>
+            </a:bodyPr>
+            <a:lstStyle/>
+            <a:p>
+              <a:r>
+                <a:rPr lang="en-US" altLang="ko-KR" sz="2400" dirty="0">
+                  <a:solidFill>
+                    <a:schemeClr val="tx2"/>
+                  </a:solidFill>
+                </a:rPr>
+                <a:t>10</a:t>
+              </a:r>
+              <a:r>
+                <a:rPr lang="ko-KR" altLang="en-US" sz="2400" dirty="0">
+                  <a:solidFill>
+                    <a:schemeClr val="tx2"/>
+                  </a:solidFill>
+                </a:rPr>
+                <a:t>월 일정</a:t>
+              </a:r>
+            </a:p>
+          </p:txBody>
+        </p:sp>
+        <p:sp>
+          <p:nvSpPr>
+            <p:cNvPr id="32" name="TextBox 31"/>
+            <p:cNvSpPr txBox="1"/>
+            <p:nvPr/>
+          </p:nvSpPr>
+          <p:spPr>
+            <a:xfrm>
+              <a:off x="102324" y="4231727"/>
+              <a:ext cx="4323127" cy="1407285"/>
+            </a:xfrm>
+            <a:prstGeom prst="rect">
+              <a:avLst/>
+            </a:prstGeom>
+            <a:noFill/>
+          </p:spPr>
+          <p:txBody>
+            <a:bodyPr wrap="square" rtlCol="0">
+              <a:spAutoFit/>
+            </a:bodyPr>
+            <a:lstStyle/>
+            <a:p>
+              <a:r>
+                <a:rPr lang="ko-KR" altLang="en-US" sz="1100" dirty="0">
+                  <a:latin typeface="HY견고딕" panose="02030600000101010101" pitchFamily="18" charset="-127"/>
+                  <a:ea typeface="HY견고딕" panose="02030600000101010101" pitchFamily="18" charset="-127"/>
+                </a:rPr>
+                <a:t>공공 </a:t>
+              </a:r>
+              <a:r>
+                <a:rPr lang="en-US" altLang="ko-KR" sz="1100" dirty="0">
+                  <a:latin typeface="HY견고딕" panose="02030600000101010101" pitchFamily="18" charset="-127"/>
+                  <a:ea typeface="HY견고딕" panose="02030600000101010101" pitchFamily="18" charset="-127"/>
+                </a:rPr>
+                <a:t>API _ </a:t>
+              </a:r>
+            </a:p>
+            <a:p>
+              <a:br>
+                <a:rPr lang="en-US" altLang="ko-KR" sz="1100" dirty="0">
+                  <a:latin typeface="HY견고딕" panose="02030600000101010101" pitchFamily="18" charset="-127"/>
+                  <a:ea typeface="HY견고딕" panose="02030600000101010101" pitchFamily="18" charset="-127"/>
+                </a:rPr>
+              </a:br>
+              <a:r>
+                <a:rPr lang="en-US" altLang="ko-KR" sz="1100" dirty="0">
+                  <a:latin typeface="HY견고딕" panose="02030600000101010101" pitchFamily="18" charset="-127"/>
+                  <a:ea typeface="HY견고딕" panose="02030600000101010101" pitchFamily="18" charset="-127"/>
+                </a:rPr>
+                <a:t> </a:t>
+              </a:r>
+              <a:r>
+                <a:rPr lang="ko-KR" altLang="en-US" sz="1100" dirty="0">
+                  <a:latin typeface="HY견고딕" panose="02030600000101010101" pitchFamily="18" charset="-127"/>
+                  <a:ea typeface="HY견고딕" panose="02030600000101010101" pitchFamily="18" charset="-127"/>
+                </a:rPr>
+                <a:t>공공 데이터를 받기위해 어떠한 제공 사이트들이 있는지 그리고 그들의  장단점에 대한 평가</a:t>
+              </a:r>
+              <a:endParaRPr lang="en-US" altLang="ko-KR" sz="1100" dirty="0">
+                <a:latin typeface="HY견고딕" panose="02030600000101010101" pitchFamily="18" charset="-127"/>
+                <a:ea typeface="HY견고딕" panose="02030600000101010101" pitchFamily="18" charset="-127"/>
+              </a:endParaRPr>
+            </a:p>
+            <a:p>
+              <a:endParaRPr lang="en-US" altLang="ko-KR" sz="1100" dirty="0">
+                <a:latin typeface="HY견고딕" panose="02030600000101010101" pitchFamily="18" charset="-127"/>
+                <a:ea typeface="HY견고딕" panose="02030600000101010101" pitchFamily="18" charset="-127"/>
+              </a:endParaRPr>
+            </a:p>
+            <a:p>
+              <a:r>
+                <a:rPr lang="en-US" altLang="ko-KR" sz="1100" dirty="0">
+                  <a:latin typeface="HY견고딕" panose="02030600000101010101" pitchFamily="18" charset="-127"/>
+                  <a:ea typeface="HY견고딕" panose="02030600000101010101" pitchFamily="18" charset="-127"/>
+                </a:rPr>
+                <a:t>  </a:t>
+              </a:r>
+              <a:r>
+                <a:rPr lang="ko-KR" altLang="en-US" sz="1100" dirty="0">
+                  <a:latin typeface="HY견고딕" panose="02030600000101010101" pitchFamily="18" charset="-127"/>
+                  <a:ea typeface="HY견고딕" panose="02030600000101010101" pitchFamily="18" charset="-127"/>
+                </a:rPr>
+                <a:t>예시를 통한 각 공공 데이터들의 사용 공부</a:t>
+              </a:r>
+              <a:endParaRPr lang="en-US" altLang="ko-KR" sz="1100" dirty="0">
+                <a:latin typeface="HY견고딕" panose="02030600000101010101" pitchFamily="18" charset="-127"/>
+                <a:ea typeface="HY견고딕" panose="02030600000101010101" pitchFamily="18" charset="-127"/>
+              </a:endParaRPr>
+            </a:p>
+            <a:p>
+              <a:endParaRPr lang="en-US" altLang="ko-KR" sz="1100" dirty="0">
+                <a:latin typeface="HY견고딕" panose="02030600000101010101" pitchFamily="18" charset="-127"/>
+                <a:ea typeface="HY견고딕" panose="02030600000101010101" pitchFamily="18" charset="-127"/>
+              </a:endParaRPr>
+            </a:p>
+            <a:p>
+              <a:endParaRPr lang="en-US" altLang="ko-KR" sz="1100" dirty="0">
+                <a:latin typeface="HY견고딕" panose="02030600000101010101" pitchFamily="18" charset="-127"/>
+                <a:ea typeface="HY견고딕" panose="02030600000101010101" pitchFamily="18" charset="-127"/>
+              </a:endParaRPr>
+            </a:p>
+            <a:p>
+              <a:r>
+                <a:rPr lang="ko-KR" altLang="en-US" sz="1100" dirty="0">
+                  <a:latin typeface="HY견고딕" panose="02030600000101010101" pitchFamily="18" charset="-127"/>
+                  <a:ea typeface="HY견고딕" panose="02030600000101010101" pitchFamily="18" charset="-127"/>
+                </a:rPr>
+                <a:t>하드웨어 분야 </a:t>
+              </a:r>
+              <a:r>
+                <a:rPr lang="en-US" altLang="ko-KR" sz="1100" dirty="0">
+                  <a:latin typeface="HY견고딕" panose="02030600000101010101" pitchFamily="18" charset="-127"/>
+                  <a:ea typeface="HY견고딕" panose="02030600000101010101" pitchFamily="18" charset="-127"/>
+                </a:rPr>
+                <a:t>_</a:t>
+              </a:r>
+            </a:p>
+            <a:p>
+              <a:endParaRPr lang="en-US" altLang="ko-KR" sz="1100" dirty="0">
+                <a:latin typeface="HY견고딕" panose="02030600000101010101" pitchFamily="18" charset="-127"/>
+                <a:ea typeface="HY견고딕" panose="02030600000101010101" pitchFamily="18" charset="-127"/>
+              </a:endParaRPr>
+            </a:p>
+            <a:p>
+              <a:r>
+                <a:rPr lang="en-US" altLang="ko-KR" sz="1100" dirty="0">
+                  <a:latin typeface="HY견고딕" panose="02030600000101010101" pitchFamily="18" charset="-127"/>
+                  <a:ea typeface="HY견고딕" panose="02030600000101010101" pitchFamily="18" charset="-127"/>
+                </a:rPr>
+                <a:t> </a:t>
+              </a:r>
+              <a:r>
+                <a:rPr lang="ko-KR" altLang="en-US" sz="1100" dirty="0">
+                  <a:latin typeface="HY견고딕" panose="02030600000101010101" pitchFamily="18" charset="-127"/>
+                  <a:ea typeface="HY견고딕" panose="02030600000101010101" pitchFamily="18" charset="-127"/>
+                </a:rPr>
+                <a:t>영상처리에서 영상을 중심으로 객체를 파악하는 방법에 대한 공부</a:t>
+              </a:r>
+              <a:endParaRPr lang="en-US" altLang="ko-KR" sz="1100" dirty="0">
+                <a:latin typeface="HY견고딕" panose="02030600000101010101" pitchFamily="18" charset="-127"/>
+                <a:ea typeface="HY견고딕" panose="02030600000101010101" pitchFamily="18" charset="-127"/>
+              </a:endParaRPr>
+            </a:p>
+          </p:txBody>
+        </p:sp>
+      </p:grpSp>
+      <p:cxnSp>
+        <p:nvCxnSpPr>
+          <p:cNvPr id="18" name="직선 연결선 17"/>
+          <p:cNvCxnSpPr/>
+          <p:nvPr/>
+        </p:nvCxnSpPr>
+        <p:spPr>
+          <a:xfrm>
+            <a:off x="1188881" y="273124"/>
+            <a:ext cx="10666421" cy="0"/>
+          </a:xfrm>
+          <a:prstGeom prst="line">
+            <a:avLst/>
+          </a:prstGeom>
+          <a:ln w="19050">
+            <a:solidFill>
+              <a:schemeClr val="accent6"/>
+            </a:solidFill>
+          </a:ln>
+        </p:spPr>
+        <p:style>
+          <a:lnRef idx="1">
+            <a:schemeClr val="accent1"/>
+          </a:lnRef>
+          <a:fillRef idx="0">
+            <a:schemeClr val="accent1"/>
+          </a:fillRef>
+          <a:effectRef idx="0">
+            <a:schemeClr val="accent1"/>
+          </a:effectRef>
+          <a:fontRef idx="minor">
+            <a:schemeClr val="tx1"/>
+          </a:fontRef>
+        </p:style>
+      </p:cxnSp>
+      <p:sp>
+        <p:nvSpPr>
+          <p:cNvPr id="19" name="직사각형 18"/>
+          <p:cNvSpPr/>
+          <p:nvPr/>
+        </p:nvSpPr>
+        <p:spPr>
+          <a:xfrm>
+            <a:off x="265814" y="244548"/>
+            <a:ext cx="720000" cy="720000"/>
+          </a:xfrm>
+          <a:prstGeom prst="rect">
+            <a:avLst/>
+          </a:prstGeom>
+          <a:solidFill>
+            <a:schemeClr val="accent6">
+              <a:lumMod val="60000"/>
+              <a:lumOff val="40000"/>
+            </a:schemeClr>
+          </a:solidFill>
+          <a:ln>
+            <a:noFill/>
+          </a:ln>
+        </p:spPr>
+        <p:style>
+          <a:lnRef idx="2">
+            <a:schemeClr val="accent1">
+              <a:shade val="50000"/>
+            </a:schemeClr>
+          </a:lnRef>
+          <a:fillRef idx="1">
+            <a:schemeClr val="accent1"/>
+          </a:fillRef>
+          <a:effectRef idx="0">
+            <a:schemeClr val="accent1"/>
+          </a:effectRef>
+          <a:fontRef idx="minor">
+            <a:schemeClr val="lt1"/>
+          </a:fontRef>
+        </p:style>
+        <p:txBody>
+          <a:bodyPr rot="0" spcFirstLastPara="0" vertOverflow="overflow" horzOverflow="overflow" vert="horz" wrap="square" lIns="91440" tIns="45720" rIns="91440" bIns="45720" numCol="1" spcCol="0" rtlCol="0" fromWordArt="0" anchor="ctr" anchorCtr="0" forceAA="0" compatLnSpc="1">
+            <a:prstTxWarp prst="textNoShape">
+              <a:avLst/>
+            </a:prstTxWarp>
+            <a:noAutofit/>
+          </a:bodyPr>
+          <a:lstStyle/>
+          <a:p>
+            <a:pPr algn="ctr"/>
+            <a:endParaRPr lang="ko-KR" altLang="en-US"/>
+          </a:p>
+        </p:txBody>
+      </p:sp>
+      <p:sp>
+        <p:nvSpPr>
+          <p:cNvPr id="20" name="TextBox 19"/>
+          <p:cNvSpPr txBox="1"/>
+          <p:nvPr/>
+        </p:nvSpPr>
+        <p:spPr>
+          <a:xfrm>
+            <a:off x="490138" y="323244"/>
+            <a:ext cx="259302" cy="584775"/>
+          </a:xfrm>
+          <a:prstGeom prst="rect">
+            <a:avLst/>
+          </a:prstGeom>
+          <a:noFill/>
+        </p:spPr>
+        <p:txBody>
+          <a:bodyPr wrap="square" rtlCol="0">
+            <a:spAutoFit/>
+          </a:bodyPr>
+          <a:lstStyle/>
+          <a:p>
+            <a:pPr algn="ctr"/>
+            <a:r>
+              <a:rPr lang="en-US" altLang="ko-KR" sz="3200" b="1" dirty="0">
+                <a:solidFill>
+                  <a:schemeClr val="bg1"/>
+                </a:solidFill>
+              </a:rPr>
+              <a:t>6</a:t>
+            </a:r>
+            <a:endParaRPr lang="ko-KR" altLang="en-US" sz="3200" b="1" dirty="0">
+              <a:solidFill>
+                <a:schemeClr val="bg1"/>
+              </a:solidFill>
+            </a:endParaRPr>
+          </a:p>
+        </p:txBody>
+      </p:sp>
+      <p:grpSp>
+        <p:nvGrpSpPr>
+          <p:cNvPr id="21" name="그룹 20"/>
+          <p:cNvGrpSpPr/>
+          <p:nvPr/>
+        </p:nvGrpSpPr>
+        <p:grpSpPr>
+          <a:xfrm>
+            <a:off x="1188881" y="351819"/>
+            <a:ext cx="2991525" cy="660429"/>
+            <a:chOff x="1188881" y="351819"/>
+            <a:chExt cx="2991525" cy="660429"/>
+          </a:xfrm>
+        </p:grpSpPr>
+        <p:sp>
+          <p:nvSpPr>
+            <p:cNvPr id="22" name="TextBox 21"/>
+            <p:cNvSpPr txBox="1"/>
+            <p:nvPr/>
+          </p:nvSpPr>
+          <p:spPr>
+            <a:xfrm>
+              <a:off x="1188881" y="351819"/>
+              <a:ext cx="1141659" cy="276999"/>
+            </a:xfrm>
+            <a:prstGeom prst="rect">
+              <a:avLst/>
+            </a:prstGeom>
+            <a:noFill/>
+          </p:spPr>
+          <p:txBody>
+            <a:bodyPr wrap="none" rtlCol="0">
+              <a:spAutoFit/>
+            </a:bodyPr>
+            <a:lstStyle/>
+            <a:p>
+              <a:r>
+                <a:rPr lang="en-US" altLang="ko-KR" sz="1200" dirty="0"/>
+                <a:t>006 </a:t>
+              </a:r>
+              <a:r>
+                <a:rPr lang="ko-KR" altLang="en-US" sz="1200" dirty="0"/>
+                <a:t>개발 일정</a:t>
+              </a:r>
+            </a:p>
+          </p:txBody>
+        </p:sp>
+        <p:sp>
+          <p:nvSpPr>
+            <p:cNvPr id="23" name="TextBox 22"/>
+            <p:cNvSpPr txBox="1"/>
+            <p:nvPr/>
+          </p:nvSpPr>
+          <p:spPr>
+            <a:xfrm>
+              <a:off x="1188881" y="581361"/>
+              <a:ext cx="2991525" cy="430887"/>
+            </a:xfrm>
+            <a:prstGeom prst="rect">
+              <a:avLst/>
+            </a:prstGeom>
+            <a:noFill/>
+          </p:spPr>
+          <p:txBody>
+            <a:bodyPr wrap="none" rtlCol="0">
+              <a:spAutoFit/>
+            </a:bodyPr>
+            <a:lstStyle/>
+            <a:p>
+              <a:r>
+                <a:rPr lang="en-US" altLang="ko-KR" sz="2200" dirty="0"/>
+                <a:t>10</a:t>
+              </a:r>
+              <a:r>
+                <a:rPr lang="ko-KR" altLang="en-US" sz="2200" dirty="0"/>
+                <a:t>월 일정 이번주 일정</a:t>
+              </a:r>
+            </a:p>
+          </p:txBody>
+        </p:sp>
+      </p:grpSp>
+      <p:grpSp>
+        <p:nvGrpSpPr>
+          <p:cNvPr id="17" name="그룹 16">
+            <a:extLst>
+              <a:ext uri="{FF2B5EF4-FFF2-40B4-BE49-F238E27FC236}">
+                <a16:creationId xmlns:a16="http://schemas.microsoft.com/office/drawing/2014/main" id="{17AD376F-94ED-4EB4-9E79-FC5DDAF1C009}"/>
+              </a:ext>
+            </a:extLst>
+          </p:cNvPr>
+          <p:cNvGrpSpPr/>
+          <p:nvPr/>
+        </p:nvGrpSpPr>
+        <p:grpSpPr>
+          <a:xfrm flipH="1">
+            <a:off x="5582018" y="1709770"/>
+            <a:ext cx="2043700" cy="634001"/>
+            <a:chOff x="2820400" y="3897565"/>
+            <a:chExt cx="2043700" cy="634001"/>
+          </a:xfrm>
+        </p:grpSpPr>
+        <p:grpSp>
+          <p:nvGrpSpPr>
+            <p:cNvPr id="24" name="그룹 23">
+              <a:extLst>
+                <a:ext uri="{FF2B5EF4-FFF2-40B4-BE49-F238E27FC236}">
+                  <a16:creationId xmlns:a16="http://schemas.microsoft.com/office/drawing/2014/main" id="{AC974A4F-0CBA-466A-9D21-FE8DEF1DEB89}"/>
+                </a:ext>
+              </a:extLst>
+            </p:cNvPr>
+            <p:cNvGrpSpPr/>
+            <p:nvPr/>
+          </p:nvGrpSpPr>
+          <p:grpSpPr>
+            <a:xfrm>
+              <a:off x="2820400" y="3897565"/>
+              <a:ext cx="1955800" cy="508001"/>
+              <a:chOff x="2400300" y="4470399"/>
+              <a:chExt cx="1955800" cy="508001"/>
+            </a:xfrm>
+          </p:grpSpPr>
+          <p:cxnSp>
+            <p:nvCxnSpPr>
+              <p:cNvPr id="26" name="직선 연결선 25">
+                <a:extLst>
+                  <a:ext uri="{FF2B5EF4-FFF2-40B4-BE49-F238E27FC236}">
+                    <a16:creationId xmlns:a16="http://schemas.microsoft.com/office/drawing/2014/main" id="{9D339024-E569-462A-9C66-3B419130E75B}"/>
+                  </a:ext>
+                </a:extLst>
+              </p:cNvPr>
+              <p:cNvCxnSpPr/>
+              <p:nvPr/>
+            </p:nvCxnSpPr>
+            <p:spPr>
+              <a:xfrm>
+                <a:off x="2400300" y="4470399"/>
+                <a:ext cx="1638300" cy="0"/>
+              </a:xfrm>
+              <a:prstGeom prst="line">
+                <a:avLst/>
+              </a:prstGeom>
+              <a:ln>
+                <a:solidFill>
+                  <a:schemeClr val="tx2"/>
+                </a:solidFill>
+              </a:ln>
+            </p:spPr>
+            <p:style>
+              <a:lnRef idx="1">
+                <a:schemeClr val="accent1"/>
+              </a:lnRef>
+              <a:fillRef idx="0">
+                <a:schemeClr val="accent1"/>
+              </a:fillRef>
+              <a:effectRef idx="0">
+                <a:schemeClr val="accent1"/>
+              </a:effectRef>
+              <a:fontRef idx="minor">
+                <a:schemeClr val="tx1"/>
+              </a:fontRef>
+            </p:style>
+          </p:cxnSp>
+          <p:cxnSp>
+            <p:nvCxnSpPr>
+              <p:cNvPr id="33" name="직선 연결선 32">
+                <a:extLst>
+                  <a:ext uri="{FF2B5EF4-FFF2-40B4-BE49-F238E27FC236}">
+                    <a16:creationId xmlns:a16="http://schemas.microsoft.com/office/drawing/2014/main" id="{071E462C-D3A8-4EDD-8C43-C63D2F137A06}"/>
+                  </a:ext>
+                </a:extLst>
+              </p:cNvPr>
+              <p:cNvCxnSpPr/>
+              <p:nvPr/>
+            </p:nvCxnSpPr>
+            <p:spPr>
+              <a:xfrm>
+                <a:off x="4038600" y="4470399"/>
+                <a:ext cx="317500" cy="508001"/>
+              </a:xfrm>
+              <a:prstGeom prst="line">
+                <a:avLst/>
+              </a:prstGeom>
+              <a:ln>
+                <a:solidFill>
+                  <a:schemeClr val="tx2"/>
+                </a:solidFill>
+              </a:ln>
+            </p:spPr>
+            <p:style>
+              <a:lnRef idx="1">
+                <a:schemeClr val="accent1"/>
+              </a:lnRef>
+              <a:fillRef idx="0">
+                <a:schemeClr val="accent1"/>
+              </a:fillRef>
+              <a:effectRef idx="0">
+                <a:schemeClr val="accent1"/>
+              </a:effectRef>
+              <a:fontRef idx="minor">
+                <a:schemeClr val="tx1"/>
+              </a:fontRef>
+            </p:style>
+          </p:cxnSp>
+        </p:grpSp>
+        <p:sp>
+          <p:nvSpPr>
+            <p:cNvPr id="25" name="타원 24">
+              <a:extLst>
+                <a:ext uri="{FF2B5EF4-FFF2-40B4-BE49-F238E27FC236}">
+                  <a16:creationId xmlns:a16="http://schemas.microsoft.com/office/drawing/2014/main" id="{3E5D37D6-407A-4933-9C10-AB8194FF0881}"/>
+                </a:ext>
+              </a:extLst>
+            </p:cNvPr>
+            <p:cNvSpPr/>
+            <p:nvPr/>
+          </p:nvSpPr>
+          <p:spPr>
+            <a:xfrm>
+              <a:off x="4712700" y="4380166"/>
+              <a:ext cx="151400" cy="151400"/>
+            </a:xfrm>
+            <a:prstGeom prst="ellipse">
+              <a:avLst/>
+            </a:prstGeom>
+            <a:solidFill>
+              <a:schemeClr val="tx1">
+                <a:alpha val="70000"/>
+              </a:schemeClr>
+            </a:solidFill>
+            <a:ln>
+              <a:noFill/>
+            </a:ln>
+          </p:spPr>
+          <p:style>
+            <a:lnRef idx="2">
+              <a:schemeClr val="accent1">
+                <a:shade val="50000"/>
+              </a:schemeClr>
+            </a:lnRef>
+            <a:fillRef idx="1">
+              <a:schemeClr val="accent1"/>
+            </a:fillRef>
+            <a:effectRef idx="0">
+              <a:schemeClr val="accent1"/>
+            </a:effectRef>
+            <a:fontRef idx="minor">
+              <a:schemeClr val="lt1"/>
+            </a:fontRef>
+          </p:style>
+          <p:txBody>
+            <a:bodyPr rot="0" spcFirstLastPara="0" vertOverflow="overflow" horzOverflow="overflow" vert="horz" wrap="square" lIns="91440" tIns="45720" rIns="91440" bIns="45720" numCol="1" spcCol="0" rtlCol="0" fromWordArt="0" anchor="ctr" anchorCtr="0" forceAA="0" compatLnSpc="1">
+              <a:prstTxWarp prst="textNoShape">
+                <a:avLst/>
+              </a:prstTxWarp>
+              <a:noAutofit/>
+            </a:bodyPr>
+            <a:lstStyle/>
+            <a:p>
+              <a:pPr algn="ctr"/>
+              <a:endParaRPr lang="ko-KR" altLang="en-US"/>
+            </a:p>
+          </p:txBody>
+        </p:sp>
+      </p:grpSp>
+    </p:spTree>
+    <p:extLst>
+      <p:ext uri="{BB962C8B-B14F-4D97-AF65-F5344CB8AC3E}">
+        <p14:creationId xmlns:p14="http://schemas.microsoft.com/office/powerpoint/2010/main" val="722701711"/>
+      </p:ext>
+    </p:extLst>
+  </p:cSld>
+  <p:clrMapOvr>
+    <a:masterClrMapping/>
+  </p:clrMapOvr>
+</p:sld>
+</file>
+
+<file path=ppt/slides/slide26.xml><?xml version="1.0" encoding="utf-8"?>
+<p:sld xmlns:a="http://schemas.openxmlformats.org/drawingml/2006/main" xmlns:r="http://schemas.openxmlformats.org/officeDocument/2006/relationships" xmlns:p="http://schemas.openxmlformats.org/presentationml/2006/main">
+  <p:cSld>
+    <p:spTree>
+      <p:nvGrpSpPr>
+        <p:cNvPr id="1" name=""/>
+        <p:cNvGrpSpPr/>
+        <p:nvPr/>
+      </p:nvGrpSpPr>
+      <p:grpSpPr>
+        <a:xfrm>
+          <a:off x="0" y="0"/>
+          <a:ext cx="0" cy="0"/>
+          <a:chOff x="0" y="0"/>
+          <a:chExt cx="0" cy="0"/>
+        </a:xfrm>
+      </p:grpSpPr>
+      <p:sp>
+        <p:nvSpPr>
+          <p:cNvPr id="16" name="TextBox 15"/>
+          <p:cNvSpPr txBox="1"/>
+          <p:nvPr/>
+        </p:nvSpPr>
+        <p:spPr>
+          <a:xfrm>
+            <a:off x="9879006" y="6505575"/>
+            <a:ext cx="2242922" cy="215444"/>
+          </a:xfrm>
+          <a:prstGeom prst="rect">
+            <a:avLst/>
+          </a:prstGeom>
+          <a:noFill/>
+        </p:spPr>
+        <p:txBody>
+          <a:bodyPr wrap="none" rtlCol="0">
+            <a:spAutoFit/>
+          </a:bodyPr>
+          <a:lstStyle/>
+          <a:p>
+            <a:pPr algn="r"/>
+            <a:r>
+              <a:rPr lang="en-US" altLang="ko-KR" sz="800" dirty="0">
+                <a:solidFill>
+                  <a:schemeClr val="accent6"/>
+                </a:solidFill>
+                <a:latin typeface="+mn-ea"/>
+              </a:rPr>
+              <a:t>Copyrightⓒ. Saebyeol Yu. All Rights Reserved.</a:t>
+            </a:r>
+            <a:endParaRPr lang="ko-KR" altLang="en-US" sz="800" dirty="0">
+              <a:solidFill>
+                <a:schemeClr val="accent6"/>
+              </a:solidFill>
+              <a:latin typeface="+mn-ea"/>
+            </a:endParaRPr>
+          </a:p>
+        </p:txBody>
+      </p:sp>
+      <p:sp>
+        <p:nvSpPr>
+          <p:cNvPr id="3" name="타원 2"/>
+          <p:cNvSpPr/>
+          <p:nvPr/>
+        </p:nvSpPr>
+        <p:spPr>
+          <a:xfrm>
+            <a:off x="2003089" y="1228725"/>
+            <a:ext cx="5276850" cy="5276850"/>
+          </a:xfrm>
+          <a:prstGeom prst="ellipse">
+            <a:avLst/>
+          </a:prstGeom>
+          <a:solidFill>
+            <a:schemeClr val="bg1">
+              <a:alpha val="70000"/>
+            </a:schemeClr>
+          </a:solidFill>
+          <a:ln>
+            <a:noFill/>
+          </a:ln>
+        </p:spPr>
+        <p:style>
+          <a:lnRef idx="2">
+            <a:schemeClr val="accent1">
+              <a:shade val="50000"/>
+            </a:schemeClr>
+          </a:lnRef>
+          <a:fillRef idx="1">
+            <a:schemeClr val="accent1"/>
+          </a:fillRef>
+          <a:effectRef idx="0">
+            <a:schemeClr val="accent1"/>
+          </a:effectRef>
+          <a:fontRef idx="minor">
+            <a:schemeClr val="lt1"/>
+          </a:fontRef>
+        </p:style>
+        <p:txBody>
+          <a:bodyPr rot="0" spcFirstLastPara="0" vertOverflow="overflow" horzOverflow="overflow" vert="horz" wrap="square" lIns="91440" tIns="45720" rIns="91440" bIns="45720" numCol="1" spcCol="0" rtlCol="0" fromWordArt="0" anchor="ctr" anchorCtr="0" forceAA="0" compatLnSpc="1">
+            <a:prstTxWarp prst="textNoShape">
+              <a:avLst/>
+            </a:prstTxWarp>
+            <a:noAutofit/>
+          </a:bodyPr>
+          <a:lstStyle/>
+          <a:p>
+            <a:pPr algn="ctr"/>
+            <a:endParaRPr lang="ko-KR" altLang="en-US"/>
+          </a:p>
+        </p:txBody>
+      </p:sp>
+      <p:grpSp>
+        <p:nvGrpSpPr>
+          <p:cNvPr id="2" name="그룹 1"/>
+          <p:cNvGrpSpPr/>
+          <p:nvPr/>
+        </p:nvGrpSpPr>
+        <p:grpSpPr>
+          <a:xfrm>
+            <a:off x="2473470" y="2012097"/>
+            <a:ext cx="4318776" cy="4155071"/>
+            <a:chOff x="2511570" y="2069247"/>
+            <a:chExt cx="4318776" cy="4155071"/>
+          </a:xfrm>
+        </p:grpSpPr>
+        <p:sp>
+          <p:nvSpPr>
+            <p:cNvPr id="27" name="타원 26"/>
+            <p:cNvSpPr/>
+            <p:nvPr/>
+          </p:nvSpPr>
+          <p:spPr>
+            <a:xfrm>
+              <a:off x="2511570" y="2076819"/>
+              <a:ext cx="2420456" cy="2420457"/>
+            </a:xfrm>
+            <a:prstGeom prst="ellipse">
+              <a:avLst/>
+            </a:prstGeom>
+            <a:solidFill>
+              <a:schemeClr val="accent2">
+                <a:lumMod val="60000"/>
+                <a:lumOff val="40000"/>
+                <a:alpha val="80000"/>
+              </a:schemeClr>
+            </a:solidFill>
+            <a:ln>
+              <a:noFill/>
+            </a:ln>
+          </p:spPr>
+          <p:style>
+            <a:lnRef idx="2">
+              <a:schemeClr val="accent1">
+                <a:shade val="50000"/>
+              </a:schemeClr>
+            </a:lnRef>
+            <a:fillRef idx="1">
+              <a:schemeClr val="accent1"/>
+            </a:fillRef>
+            <a:effectRef idx="0">
+              <a:schemeClr val="accent1"/>
+            </a:effectRef>
+            <a:fontRef idx="minor">
+              <a:schemeClr val="lt1"/>
+            </a:fontRef>
+          </p:style>
+          <p:txBody>
+            <a:bodyPr rot="0" spcFirstLastPara="0" vertOverflow="overflow" horzOverflow="overflow" vert="horz" wrap="square" lIns="91440" tIns="45720" rIns="91440" bIns="45720" numCol="1" spcCol="0" rtlCol="0" fromWordArt="0" anchor="ctr" anchorCtr="0" forceAA="0" compatLnSpc="1">
+              <a:prstTxWarp prst="textNoShape">
+                <a:avLst/>
+              </a:prstTxWarp>
+              <a:noAutofit/>
+            </a:bodyPr>
+            <a:lstStyle/>
+            <a:p>
+              <a:pPr algn="ctr"/>
+              <a:endParaRPr lang="ko-KR" altLang="en-US"/>
+            </a:p>
+          </p:txBody>
+        </p:sp>
+        <p:sp>
+          <p:nvSpPr>
+            <p:cNvPr id="28" name="타원 27"/>
+            <p:cNvSpPr/>
+            <p:nvPr/>
+          </p:nvSpPr>
+          <p:spPr>
+            <a:xfrm>
+              <a:off x="4409890" y="2069247"/>
+              <a:ext cx="2420456" cy="2420457"/>
+            </a:xfrm>
+            <a:prstGeom prst="ellipse">
+              <a:avLst/>
+            </a:prstGeom>
+            <a:solidFill>
+              <a:schemeClr val="accent2">
+                <a:alpha val="40000"/>
+              </a:schemeClr>
+            </a:solidFill>
+            <a:ln>
+              <a:noFill/>
+            </a:ln>
+          </p:spPr>
+          <p:style>
+            <a:lnRef idx="2">
+              <a:schemeClr val="accent1">
+                <a:shade val="50000"/>
+              </a:schemeClr>
+            </a:lnRef>
+            <a:fillRef idx="1">
+              <a:schemeClr val="accent1"/>
+            </a:fillRef>
+            <a:effectRef idx="0">
+              <a:schemeClr val="accent1"/>
+            </a:effectRef>
+            <a:fontRef idx="minor">
+              <a:schemeClr val="lt1"/>
+            </a:fontRef>
+          </p:style>
+          <p:txBody>
+            <a:bodyPr rot="0" spcFirstLastPara="0" vertOverflow="overflow" horzOverflow="overflow" vert="horz" wrap="square" lIns="91440" tIns="45720" rIns="91440" bIns="45720" numCol="1" spcCol="0" rtlCol="0" fromWordArt="0" anchor="ctr" anchorCtr="0" forceAA="0" compatLnSpc="1">
+              <a:prstTxWarp prst="textNoShape">
+                <a:avLst/>
+              </a:prstTxWarp>
+              <a:noAutofit/>
+            </a:bodyPr>
+            <a:lstStyle/>
+            <a:p>
+              <a:pPr algn="ctr"/>
+              <a:endParaRPr lang="ko-KR" altLang="en-US"/>
+            </a:p>
+          </p:txBody>
+        </p:sp>
+        <p:sp>
+          <p:nvSpPr>
+            <p:cNvPr id="29" name="타원 28"/>
+            <p:cNvSpPr/>
+            <p:nvPr/>
+          </p:nvSpPr>
+          <p:spPr>
+            <a:xfrm>
+              <a:off x="3460730" y="3803861"/>
+              <a:ext cx="2420456" cy="2420457"/>
+            </a:xfrm>
+            <a:prstGeom prst="ellipse">
+              <a:avLst/>
+            </a:prstGeom>
+            <a:solidFill>
+              <a:schemeClr val="accent2">
+                <a:alpha val="50000"/>
+              </a:schemeClr>
+            </a:solidFill>
+            <a:ln>
+              <a:noFill/>
+            </a:ln>
+          </p:spPr>
+          <p:style>
+            <a:lnRef idx="2">
+              <a:schemeClr val="accent1">
+                <a:shade val="50000"/>
+              </a:schemeClr>
+            </a:lnRef>
+            <a:fillRef idx="1">
+              <a:schemeClr val="accent1"/>
+            </a:fillRef>
+            <a:effectRef idx="0">
+              <a:schemeClr val="accent1"/>
+            </a:effectRef>
+            <a:fontRef idx="minor">
+              <a:schemeClr val="lt1"/>
+            </a:fontRef>
+          </p:style>
+          <p:txBody>
+            <a:bodyPr rot="0" spcFirstLastPara="0" vertOverflow="overflow" horzOverflow="overflow" vert="horz" wrap="square" lIns="91440" tIns="45720" rIns="91440" bIns="45720" numCol="1" spcCol="0" rtlCol="0" fromWordArt="0" anchor="ctr" anchorCtr="0" forceAA="0" compatLnSpc="1">
+              <a:prstTxWarp prst="textNoShape">
+                <a:avLst/>
+              </a:prstTxWarp>
+              <a:noAutofit/>
+            </a:bodyPr>
+            <a:lstStyle/>
+            <a:p>
+              <a:pPr algn="ctr"/>
+              <a:endParaRPr lang="ko-KR" altLang="en-US"/>
+            </a:p>
+          </p:txBody>
+        </p:sp>
+      </p:grpSp>
+      <p:grpSp>
+        <p:nvGrpSpPr>
+          <p:cNvPr id="30" name="그룹 29"/>
+          <p:cNvGrpSpPr/>
+          <p:nvPr/>
+        </p:nvGrpSpPr>
+        <p:grpSpPr>
+          <a:xfrm>
             <a:off x="7201670" y="4750868"/>
             <a:ext cx="4370986" cy="1628595"/>
             <a:chOff x="-321724" y="6122281"/>
@@ -22897,7 +24713,7 @@
 </p:sld>
 </file>
 
-<file path=ppt/slides/slide25.xml><?xml version="1.0" encoding="utf-8"?>
+<file path=ppt/slides/slide27.xml><?xml version="1.0" encoding="utf-8"?>
 <p:sld xmlns:a="http://schemas.openxmlformats.org/drawingml/2006/main" xmlns:r="http://schemas.openxmlformats.org/officeDocument/2006/relationships" xmlns:p="http://schemas.openxmlformats.org/presentationml/2006/main">
   <p:cSld>
     <p:spTree>
@@ -23879,7 +25695,7 @@
 </p:sld>
 </file>
 
-<file path=ppt/slides/slide26.xml><?xml version="1.0" encoding="utf-8"?>
+<file path=ppt/slides/slide28.xml><?xml version="1.0" encoding="utf-8"?>
 <p:sld xmlns:a="http://schemas.openxmlformats.org/drawingml/2006/main" xmlns:r="http://schemas.openxmlformats.org/officeDocument/2006/relationships" xmlns:p="http://schemas.openxmlformats.org/presentationml/2006/main">
   <p:cSld>
     <p:spTree>
@@ -26004,7 +27820,7 @@
 </p:sld>
 </file>
 
-<file path=ppt/slides/slide27.xml><?xml version="1.0" encoding="utf-8"?>
+<file path=ppt/slides/slide29.xml><?xml version="1.0" encoding="utf-8"?>
 <p:sld xmlns:a="http://schemas.openxmlformats.org/drawingml/2006/main" xmlns:r="http://schemas.openxmlformats.org/officeDocument/2006/relationships" xmlns:p="http://schemas.openxmlformats.org/presentationml/2006/main">
   <p:cSld>
     <p:spTree>
@@ -28129,7 +29945,311 @@
 </p:sld>
 </file>
 
-<file path=ppt/slides/slide28.xml><?xml version="1.0" encoding="utf-8"?>
+<file path=ppt/slides/slide3.xml><?xml version="1.0" encoding="utf-8"?>
+<p:sld xmlns:a="http://schemas.openxmlformats.org/drawingml/2006/main" xmlns:r="http://schemas.openxmlformats.org/officeDocument/2006/relationships" xmlns:p="http://schemas.openxmlformats.org/presentationml/2006/main">
+  <p:cSld>
+    <p:spTree>
+      <p:nvGrpSpPr>
+        <p:cNvPr id="1" name=""/>
+        <p:cNvGrpSpPr/>
+        <p:nvPr/>
+      </p:nvGrpSpPr>
+      <p:grpSpPr>
+        <a:xfrm>
+          <a:off x="0" y="0"/>
+          <a:ext cx="0" cy="0"/>
+          <a:chOff x="0" y="0"/>
+          <a:chExt cx="0" cy="0"/>
+        </a:xfrm>
+      </p:grpSpPr>
+      <p:sp>
+        <p:nvSpPr>
+          <p:cNvPr id="6" name="TextBox 5"/>
+          <p:cNvSpPr txBox="1"/>
+          <p:nvPr/>
+        </p:nvSpPr>
+        <p:spPr>
+          <a:xfrm>
+            <a:off x="489352" y="2285885"/>
+            <a:ext cx="1709122" cy="1200329"/>
+          </a:xfrm>
+          <a:prstGeom prst="rect">
+            <a:avLst/>
+          </a:prstGeom>
+          <a:noFill/>
+        </p:spPr>
+        <p:txBody>
+          <a:bodyPr wrap="none" rtlCol="0">
+            <a:spAutoFit/>
+          </a:bodyPr>
+          <a:lstStyle/>
+          <a:p>
+            <a:r>
+              <a:rPr lang="en-US" altLang="ko-KR" sz="7200" b="1" dirty="0">
+                <a:solidFill>
+                  <a:schemeClr val="tx2"/>
+                </a:solidFill>
+              </a:rPr>
+              <a:t>001</a:t>
+            </a:r>
+            <a:endParaRPr lang="ko-KR" altLang="en-US" sz="7200" b="1" dirty="0">
+              <a:solidFill>
+                <a:schemeClr val="tx2"/>
+              </a:solidFill>
+            </a:endParaRPr>
+          </a:p>
+        </p:txBody>
+      </p:sp>
+      <p:sp>
+        <p:nvSpPr>
+          <p:cNvPr id="9" name="TextBox 8"/>
+          <p:cNvSpPr txBox="1"/>
+          <p:nvPr/>
+        </p:nvSpPr>
+        <p:spPr>
+          <a:xfrm>
+            <a:off x="533434" y="3549402"/>
+            <a:ext cx="1483098" cy="584775"/>
+          </a:xfrm>
+          <a:prstGeom prst="rect">
+            <a:avLst/>
+          </a:prstGeom>
+          <a:noFill/>
+        </p:spPr>
+        <p:txBody>
+          <a:bodyPr wrap="none" rtlCol="0">
+            <a:spAutoFit/>
+          </a:bodyPr>
+          <a:lstStyle/>
+          <a:p>
+            <a:r>
+              <a:rPr lang="ko-KR" altLang="en-US" sz="3200" spc="-150" dirty="0">
+                <a:solidFill>
+                  <a:schemeClr val="tx2"/>
+                </a:solidFill>
+                <a:latin typeface="+mn-ea"/>
+              </a:rPr>
+              <a:t>팀 이름</a:t>
+            </a:r>
+          </a:p>
+        </p:txBody>
+      </p:sp>
+      <p:sp>
+        <p:nvSpPr>
+          <p:cNvPr id="10" name="TextBox 9"/>
+          <p:cNvSpPr txBox="1"/>
+          <p:nvPr/>
+        </p:nvSpPr>
+        <p:spPr>
+          <a:xfrm>
+            <a:off x="9879006" y="6505575"/>
+            <a:ext cx="2242922" cy="215444"/>
+          </a:xfrm>
+          <a:prstGeom prst="rect">
+            <a:avLst/>
+          </a:prstGeom>
+          <a:noFill/>
+        </p:spPr>
+        <p:txBody>
+          <a:bodyPr wrap="none" rtlCol="0">
+            <a:spAutoFit/>
+          </a:bodyPr>
+          <a:lstStyle/>
+          <a:p>
+            <a:pPr algn="r"/>
+            <a:r>
+              <a:rPr lang="en-US" altLang="ko-KR" sz="800" dirty="0">
+                <a:solidFill>
+                  <a:schemeClr val="accent6"/>
+                </a:solidFill>
+                <a:latin typeface="+mn-ea"/>
+              </a:rPr>
+              <a:t>Copyrightⓒ. Saebyeol Yu. All Rights Reserved.</a:t>
+            </a:r>
+            <a:endParaRPr lang="ko-KR" altLang="en-US" sz="800" dirty="0">
+              <a:solidFill>
+                <a:schemeClr val="accent6"/>
+              </a:solidFill>
+              <a:latin typeface="+mn-ea"/>
+            </a:endParaRPr>
+          </a:p>
+        </p:txBody>
+      </p:sp>
+      <p:cxnSp>
+        <p:nvCxnSpPr>
+          <p:cNvPr id="18" name="직선 연결선 17"/>
+          <p:cNvCxnSpPr/>
+          <p:nvPr/>
+        </p:nvCxnSpPr>
+        <p:spPr>
+          <a:xfrm>
+            <a:off x="489352" y="3392488"/>
+            <a:ext cx="6974704" cy="0"/>
+          </a:xfrm>
+          <a:prstGeom prst="line">
+            <a:avLst/>
+          </a:prstGeom>
+          <a:ln>
+            <a:solidFill>
+              <a:schemeClr val="accent6"/>
+            </a:solidFill>
+          </a:ln>
+        </p:spPr>
+        <p:style>
+          <a:lnRef idx="1">
+            <a:schemeClr val="accent1"/>
+          </a:lnRef>
+          <a:fillRef idx="0">
+            <a:schemeClr val="accent1"/>
+          </a:fillRef>
+          <a:effectRef idx="0">
+            <a:schemeClr val="accent1"/>
+          </a:effectRef>
+          <a:fontRef idx="minor">
+            <a:schemeClr val="tx1"/>
+          </a:fontRef>
+        </p:style>
+      </p:cxnSp>
+      <p:sp>
+        <p:nvSpPr>
+          <p:cNvPr id="22" name="TextBox 21"/>
+          <p:cNvSpPr txBox="1"/>
+          <p:nvPr/>
+        </p:nvSpPr>
+        <p:spPr>
+          <a:xfrm>
+            <a:off x="5175153" y="3090072"/>
+            <a:ext cx="2214068" cy="253916"/>
+          </a:xfrm>
+          <a:prstGeom prst="rect">
+            <a:avLst/>
+          </a:prstGeom>
+          <a:noFill/>
+        </p:spPr>
+        <p:txBody>
+          <a:bodyPr wrap="none" rtlCol="0">
+            <a:spAutoFit/>
+          </a:bodyPr>
+          <a:lstStyle/>
+          <a:p>
+            <a:r>
+              <a:rPr lang="en-US" altLang="ko-KR" sz="1050" dirty="0"/>
+              <a:t>Lorem Ipsum is simply dummy text</a:t>
+            </a:r>
+            <a:endParaRPr lang="ko-KR" altLang="en-US" sz="1050" dirty="0"/>
+          </a:p>
+        </p:txBody>
+      </p:sp>
+      <p:sp>
+        <p:nvSpPr>
+          <p:cNvPr id="11" name="이등변 삼각형 10"/>
+          <p:cNvSpPr/>
+          <p:nvPr/>
+        </p:nvSpPr>
+        <p:spPr>
+          <a:xfrm>
+            <a:off x="6688067" y="919927"/>
+            <a:ext cx="3334365" cy="4594205"/>
+          </a:xfrm>
+          <a:prstGeom prst="triangle">
+            <a:avLst/>
+          </a:prstGeom>
+          <a:solidFill>
+            <a:schemeClr val="accent1">
+              <a:alpha val="50000"/>
+            </a:schemeClr>
+          </a:solidFill>
+          <a:ln>
+            <a:noFill/>
+          </a:ln>
+        </p:spPr>
+        <p:style>
+          <a:lnRef idx="2">
+            <a:schemeClr val="accent1">
+              <a:shade val="50000"/>
+            </a:schemeClr>
+          </a:lnRef>
+          <a:fillRef idx="1">
+            <a:schemeClr val="accent1"/>
+          </a:fillRef>
+          <a:effectRef idx="0">
+            <a:schemeClr val="accent1"/>
+          </a:effectRef>
+          <a:fontRef idx="minor">
+            <a:schemeClr val="lt1"/>
+          </a:fontRef>
+        </p:style>
+        <p:txBody>
+          <a:bodyPr rtlCol="0" anchor="ctr"/>
+          <a:lstStyle/>
+          <a:p>
+            <a:pPr algn="ctr"/>
+            <a:endParaRPr lang="ko-KR" altLang="en-US"/>
+          </a:p>
+        </p:txBody>
+      </p:sp>
+      <p:sp>
+        <p:nvSpPr>
+          <p:cNvPr id="12" name="이등변 삼각형 11"/>
+          <p:cNvSpPr/>
+          <p:nvPr/>
+        </p:nvSpPr>
+        <p:spPr>
+          <a:xfrm>
+            <a:off x="8552835" y="919927"/>
+            <a:ext cx="3334365" cy="4594205"/>
+          </a:xfrm>
+          <a:prstGeom prst="triangle">
+            <a:avLst/>
+          </a:prstGeom>
+          <a:solidFill>
+            <a:schemeClr val="accent4">
+              <a:alpha val="20000"/>
+            </a:schemeClr>
+          </a:solidFill>
+          <a:ln>
+            <a:noFill/>
+          </a:ln>
+        </p:spPr>
+        <p:style>
+          <a:lnRef idx="2">
+            <a:schemeClr val="accent1">
+              <a:shade val="50000"/>
+            </a:schemeClr>
+          </a:lnRef>
+          <a:fillRef idx="1">
+            <a:schemeClr val="accent1"/>
+          </a:fillRef>
+          <a:effectRef idx="0">
+            <a:schemeClr val="accent1"/>
+          </a:effectRef>
+          <a:fontRef idx="minor">
+            <a:schemeClr val="lt1"/>
+          </a:fontRef>
+        </p:style>
+        <p:txBody>
+          <a:bodyPr rtlCol="0" anchor="ctr"/>
+          <a:lstStyle/>
+          <a:p>
+            <a:pPr algn="ctr"/>
+            <a:endParaRPr lang="ko-KR" altLang="en-US"/>
+          </a:p>
+        </p:txBody>
+      </p:sp>
+    </p:spTree>
+    <p:extLst>
+      <p:ext uri="{BB962C8B-B14F-4D97-AF65-F5344CB8AC3E}">
+        <p14:creationId xmlns:p14="http://schemas.microsoft.com/office/powerpoint/2010/main" val="3106341154"/>
+      </p:ext>
+    </p:extLst>
+  </p:cSld>
+  <p:clrMapOvr>
+    <a:masterClrMapping/>
+  </p:clrMapOvr>
+</p:sld>
+</file>
+
+<file path=ppt/slides/slide30.xml><?xml version="1.0" encoding="utf-8"?>
 <p:sld xmlns:a="http://schemas.openxmlformats.org/drawingml/2006/main" xmlns:r="http://schemas.openxmlformats.org/officeDocument/2006/relationships" xmlns:p="http://schemas.openxmlformats.org/presentationml/2006/main">
   <p:cSld>
     <p:spTree>
@@ -30254,7 +32374,7 @@
 </p:sld>
 </file>
 
-<file path=ppt/slides/slide29.xml><?xml version="1.0" encoding="utf-8"?>
+<file path=ppt/slides/slide31.xml><?xml version="1.0" encoding="utf-8"?>
 <p:sld xmlns:a="http://schemas.openxmlformats.org/drawingml/2006/main" xmlns:r="http://schemas.openxmlformats.org/officeDocument/2006/relationships" xmlns:p="http://schemas.openxmlformats.org/presentationml/2006/main">
   <p:cSld>
     <p:spTree>
@@ -32379,311 +34499,7 @@
 </p:sld>
 </file>
 
-<file path=ppt/slides/slide3.xml><?xml version="1.0" encoding="utf-8"?>
-<p:sld xmlns:a="http://schemas.openxmlformats.org/drawingml/2006/main" xmlns:r="http://schemas.openxmlformats.org/officeDocument/2006/relationships" xmlns:p="http://schemas.openxmlformats.org/presentationml/2006/main">
-  <p:cSld>
-    <p:spTree>
-      <p:nvGrpSpPr>
-        <p:cNvPr id="1" name=""/>
-        <p:cNvGrpSpPr/>
-        <p:nvPr/>
-      </p:nvGrpSpPr>
-      <p:grpSpPr>
-        <a:xfrm>
-          <a:off x="0" y="0"/>
-          <a:ext cx="0" cy="0"/>
-          <a:chOff x="0" y="0"/>
-          <a:chExt cx="0" cy="0"/>
-        </a:xfrm>
-      </p:grpSpPr>
-      <p:sp>
-        <p:nvSpPr>
-          <p:cNvPr id="6" name="TextBox 5"/>
-          <p:cNvSpPr txBox="1"/>
-          <p:nvPr/>
-        </p:nvSpPr>
-        <p:spPr>
-          <a:xfrm>
-            <a:off x="489352" y="2285885"/>
-            <a:ext cx="1709122" cy="1200329"/>
-          </a:xfrm>
-          <a:prstGeom prst="rect">
-            <a:avLst/>
-          </a:prstGeom>
-          <a:noFill/>
-        </p:spPr>
-        <p:txBody>
-          <a:bodyPr wrap="none" rtlCol="0">
-            <a:spAutoFit/>
-          </a:bodyPr>
-          <a:lstStyle/>
-          <a:p>
-            <a:r>
-              <a:rPr lang="en-US" altLang="ko-KR" sz="7200" b="1" dirty="0">
-                <a:solidFill>
-                  <a:schemeClr val="tx2"/>
-                </a:solidFill>
-              </a:rPr>
-              <a:t>001</a:t>
-            </a:r>
-            <a:endParaRPr lang="ko-KR" altLang="en-US" sz="7200" b="1" dirty="0">
-              <a:solidFill>
-                <a:schemeClr val="tx2"/>
-              </a:solidFill>
-            </a:endParaRPr>
-          </a:p>
-        </p:txBody>
-      </p:sp>
-      <p:sp>
-        <p:nvSpPr>
-          <p:cNvPr id="9" name="TextBox 8"/>
-          <p:cNvSpPr txBox="1"/>
-          <p:nvPr/>
-        </p:nvSpPr>
-        <p:spPr>
-          <a:xfrm>
-            <a:off x="533434" y="3549402"/>
-            <a:ext cx="1483098" cy="584775"/>
-          </a:xfrm>
-          <a:prstGeom prst="rect">
-            <a:avLst/>
-          </a:prstGeom>
-          <a:noFill/>
-        </p:spPr>
-        <p:txBody>
-          <a:bodyPr wrap="none" rtlCol="0">
-            <a:spAutoFit/>
-          </a:bodyPr>
-          <a:lstStyle/>
-          <a:p>
-            <a:r>
-              <a:rPr lang="ko-KR" altLang="en-US" sz="3200" spc="-150" dirty="0">
-                <a:solidFill>
-                  <a:schemeClr val="tx2"/>
-                </a:solidFill>
-                <a:latin typeface="+mn-ea"/>
-              </a:rPr>
-              <a:t>팀 이름</a:t>
-            </a:r>
-          </a:p>
-        </p:txBody>
-      </p:sp>
-      <p:sp>
-        <p:nvSpPr>
-          <p:cNvPr id="10" name="TextBox 9"/>
-          <p:cNvSpPr txBox="1"/>
-          <p:nvPr/>
-        </p:nvSpPr>
-        <p:spPr>
-          <a:xfrm>
-            <a:off x="9879006" y="6505575"/>
-            <a:ext cx="2242922" cy="215444"/>
-          </a:xfrm>
-          <a:prstGeom prst="rect">
-            <a:avLst/>
-          </a:prstGeom>
-          <a:noFill/>
-        </p:spPr>
-        <p:txBody>
-          <a:bodyPr wrap="none" rtlCol="0">
-            <a:spAutoFit/>
-          </a:bodyPr>
-          <a:lstStyle/>
-          <a:p>
-            <a:pPr algn="r"/>
-            <a:r>
-              <a:rPr lang="en-US" altLang="ko-KR" sz="800" dirty="0">
-                <a:solidFill>
-                  <a:schemeClr val="accent6"/>
-                </a:solidFill>
-                <a:latin typeface="+mn-ea"/>
-              </a:rPr>
-              <a:t>Copyrightⓒ. Saebyeol Yu. All Rights Reserved.</a:t>
-            </a:r>
-            <a:endParaRPr lang="ko-KR" altLang="en-US" sz="800" dirty="0">
-              <a:solidFill>
-                <a:schemeClr val="accent6"/>
-              </a:solidFill>
-              <a:latin typeface="+mn-ea"/>
-            </a:endParaRPr>
-          </a:p>
-        </p:txBody>
-      </p:sp>
-      <p:cxnSp>
-        <p:nvCxnSpPr>
-          <p:cNvPr id="18" name="직선 연결선 17"/>
-          <p:cNvCxnSpPr/>
-          <p:nvPr/>
-        </p:nvCxnSpPr>
-        <p:spPr>
-          <a:xfrm>
-            <a:off x="489352" y="3392488"/>
-            <a:ext cx="6974704" cy="0"/>
-          </a:xfrm>
-          <a:prstGeom prst="line">
-            <a:avLst/>
-          </a:prstGeom>
-          <a:ln>
-            <a:solidFill>
-              <a:schemeClr val="accent6"/>
-            </a:solidFill>
-          </a:ln>
-        </p:spPr>
-        <p:style>
-          <a:lnRef idx="1">
-            <a:schemeClr val="accent1"/>
-          </a:lnRef>
-          <a:fillRef idx="0">
-            <a:schemeClr val="accent1"/>
-          </a:fillRef>
-          <a:effectRef idx="0">
-            <a:schemeClr val="accent1"/>
-          </a:effectRef>
-          <a:fontRef idx="minor">
-            <a:schemeClr val="tx1"/>
-          </a:fontRef>
-        </p:style>
-      </p:cxnSp>
-      <p:sp>
-        <p:nvSpPr>
-          <p:cNvPr id="22" name="TextBox 21"/>
-          <p:cNvSpPr txBox="1"/>
-          <p:nvPr/>
-        </p:nvSpPr>
-        <p:spPr>
-          <a:xfrm>
-            <a:off x="5175153" y="3090072"/>
-            <a:ext cx="2214068" cy="253916"/>
-          </a:xfrm>
-          <a:prstGeom prst="rect">
-            <a:avLst/>
-          </a:prstGeom>
-          <a:noFill/>
-        </p:spPr>
-        <p:txBody>
-          <a:bodyPr wrap="none" rtlCol="0">
-            <a:spAutoFit/>
-          </a:bodyPr>
-          <a:lstStyle/>
-          <a:p>
-            <a:r>
-              <a:rPr lang="en-US" altLang="ko-KR" sz="1050" dirty="0"/>
-              <a:t>Lorem Ipsum is simply dummy text</a:t>
-            </a:r>
-            <a:endParaRPr lang="ko-KR" altLang="en-US" sz="1050" dirty="0"/>
-          </a:p>
-        </p:txBody>
-      </p:sp>
-      <p:sp>
-        <p:nvSpPr>
-          <p:cNvPr id="11" name="이등변 삼각형 10"/>
-          <p:cNvSpPr/>
-          <p:nvPr/>
-        </p:nvSpPr>
-        <p:spPr>
-          <a:xfrm>
-            <a:off x="6688067" y="919927"/>
-            <a:ext cx="3334365" cy="4594205"/>
-          </a:xfrm>
-          <a:prstGeom prst="triangle">
-            <a:avLst/>
-          </a:prstGeom>
-          <a:solidFill>
-            <a:schemeClr val="accent1">
-              <a:alpha val="50000"/>
-            </a:schemeClr>
-          </a:solidFill>
-          <a:ln>
-            <a:noFill/>
-          </a:ln>
-        </p:spPr>
-        <p:style>
-          <a:lnRef idx="2">
-            <a:schemeClr val="accent1">
-              <a:shade val="50000"/>
-            </a:schemeClr>
-          </a:lnRef>
-          <a:fillRef idx="1">
-            <a:schemeClr val="accent1"/>
-          </a:fillRef>
-          <a:effectRef idx="0">
-            <a:schemeClr val="accent1"/>
-          </a:effectRef>
-          <a:fontRef idx="minor">
-            <a:schemeClr val="lt1"/>
-          </a:fontRef>
-        </p:style>
-        <p:txBody>
-          <a:bodyPr rtlCol="0" anchor="ctr"/>
-          <a:lstStyle/>
-          <a:p>
-            <a:pPr algn="ctr"/>
-            <a:endParaRPr lang="ko-KR" altLang="en-US"/>
-          </a:p>
-        </p:txBody>
-      </p:sp>
-      <p:sp>
-        <p:nvSpPr>
-          <p:cNvPr id="12" name="이등변 삼각형 11"/>
-          <p:cNvSpPr/>
-          <p:nvPr/>
-        </p:nvSpPr>
-        <p:spPr>
-          <a:xfrm>
-            <a:off x="8552835" y="919927"/>
-            <a:ext cx="3334365" cy="4594205"/>
-          </a:xfrm>
-          <a:prstGeom prst="triangle">
-            <a:avLst/>
-          </a:prstGeom>
-          <a:solidFill>
-            <a:schemeClr val="accent4">
-              <a:alpha val="20000"/>
-            </a:schemeClr>
-          </a:solidFill>
-          <a:ln>
-            <a:noFill/>
-          </a:ln>
-        </p:spPr>
-        <p:style>
-          <a:lnRef idx="2">
-            <a:schemeClr val="accent1">
-              <a:shade val="50000"/>
-            </a:schemeClr>
-          </a:lnRef>
-          <a:fillRef idx="1">
-            <a:schemeClr val="accent1"/>
-          </a:fillRef>
-          <a:effectRef idx="0">
-            <a:schemeClr val="accent1"/>
-          </a:effectRef>
-          <a:fontRef idx="minor">
-            <a:schemeClr val="lt1"/>
-          </a:fontRef>
-        </p:style>
-        <p:txBody>
-          <a:bodyPr rtlCol="0" anchor="ctr"/>
-          <a:lstStyle/>
-          <a:p>
-            <a:pPr algn="ctr"/>
-            <a:endParaRPr lang="ko-KR" altLang="en-US"/>
-          </a:p>
-        </p:txBody>
-      </p:sp>
-    </p:spTree>
-    <p:extLst>
-      <p:ext uri="{BB962C8B-B14F-4D97-AF65-F5344CB8AC3E}">
-        <p14:creationId xmlns:p14="http://schemas.microsoft.com/office/powerpoint/2010/main" val="3106341154"/>
-      </p:ext>
-    </p:extLst>
-  </p:cSld>
-  <p:clrMapOvr>
-    <a:masterClrMapping/>
-  </p:clrMapOvr>
-</p:sld>
-</file>
-
-<file path=ppt/slides/slide30.xml><?xml version="1.0" encoding="utf-8"?>
+<file path=ppt/slides/slide32.xml><?xml version="1.0" encoding="utf-8"?>
 <p:sld xmlns:a="http://schemas.openxmlformats.org/drawingml/2006/main" xmlns:r="http://schemas.openxmlformats.org/officeDocument/2006/relationships" xmlns:p="http://schemas.openxmlformats.org/presentationml/2006/main">
   <p:cSld>
     <p:spTree>
@@ -42355,7 +44171,7 @@
 </p:sld>
 </file>
 
-<file path=ppt/slides/slide31.xml><?xml version="1.0" encoding="utf-8"?>
+<file path=ppt/slides/slide33.xml><?xml version="1.0" encoding="utf-8"?>
 <p:sld xmlns:a="http://schemas.openxmlformats.org/drawingml/2006/main" xmlns:r="http://schemas.openxmlformats.org/officeDocument/2006/relationships" xmlns:p="http://schemas.openxmlformats.org/presentationml/2006/main">
   <p:cSld>
     <p:spTree>
@@ -43185,7 +45001,7 @@
 </p:sld>
 </file>
 
-<file path=ppt/slides/slide32.xml><?xml version="1.0" encoding="utf-8"?>
+<file path=ppt/slides/slide34.xml><?xml version="1.0" encoding="utf-8"?>
 <p:sld xmlns:a="http://schemas.openxmlformats.org/drawingml/2006/main" xmlns:r="http://schemas.openxmlformats.org/officeDocument/2006/relationships" xmlns:p="http://schemas.openxmlformats.org/presentationml/2006/main">
   <p:cSld>
     <p:spTree>
@@ -43680,6 +45496,714 @@
     <p:extLst>
       <p:ext uri="{BB962C8B-B14F-4D97-AF65-F5344CB8AC3E}">
         <p14:creationId xmlns:p14="http://schemas.microsoft.com/office/powerpoint/2010/main" val="2388481444"/>
+      </p:ext>
+    </p:extLst>
+  </p:cSld>
+  <p:clrMapOvr>
+    <a:masterClrMapping/>
+  </p:clrMapOvr>
+</p:sld>
+</file>
+
+<file path=ppt/slides/slide35.xml><?xml version="1.0" encoding="utf-8"?>
+<p:sld xmlns:a="http://schemas.openxmlformats.org/drawingml/2006/main" xmlns:r="http://schemas.openxmlformats.org/officeDocument/2006/relationships" xmlns:p="http://schemas.openxmlformats.org/presentationml/2006/main">
+  <p:cSld>
+    <p:spTree>
+      <p:nvGrpSpPr>
+        <p:cNvPr id="1" name=""/>
+        <p:cNvGrpSpPr/>
+        <p:nvPr/>
+      </p:nvGrpSpPr>
+      <p:grpSpPr>
+        <a:xfrm>
+          <a:off x="0" y="0"/>
+          <a:ext cx="0" cy="0"/>
+          <a:chOff x="0" y="0"/>
+          <a:chExt cx="0" cy="0"/>
+        </a:xfrm>
+      </p:grpSpPr>
+      <p:sp>
+        <p:nvSpPr>
+          <p:cNvPr id="16" name="TextBox 15"/>
+          <p:cNvSpPr txBox="1"/>
+          <p:nvPr/>
+        </p:nvSpPr>
+        <p:spPr>
+          <a:xfrm>
+            <a:off x="9879006" y="6505575"/>
+            <a:ext cx="2242922" cy="215444"/>
+          </a:xfrm>
+          <a:prstGeom prst="rect">
+            <a:avLst/>
+          </a:prstGeom>
+          <a:noFill/>
+        </p:spPr>
+        <p:txBody>
+          <a:bodyPr wrap="none" rtlCol="0">
+            <a:spAutoFit/>
+          </a:bodyPr>
+          <a:lstStyle/>
+          <a:p>
+            <a:pPr algn="r"/>
+            <a:r>
+              <a:rPr lang="en-US" altLang="ko-KR" sz="800" dirty="0">
+                <a:solidFill>
+                  <a:schemeClr val="accent6"/>
+                </a:solidFill>
+                <a:latin typeface="+mn-ea"/>
+              </a:rPr>
+              <a:t>Copyrightⓒ. Saebyeol Yu. All Rights Reserved.</a:t>
+            </a:r>
+            <a:endParaRPr lang="ko-KR" altLang="en-US" sz="800" dirty="0">
+              <a:solidFill>
+                <a:schemeClr val="accent6"/>
+              </a:solidFill>
+              <a:latin typeface="+mn-ea"/>
+            </a:endParaRPr>
+          </a:p>
+        </p:txBody>
+      </p:sp>
+      <p:cxnSp>
+        <p:nvCxnSpPr>
+          <p:cNvPr id="61" name="직선 연결선 60"/>
+          <p:cNvCxnSpPr/>
+          <p:nvPr/>
+        </p:nvCxnSpPr>
+        <p:spPr>
+          <a:xfrm>
+            <a:off x="1188881" y="273124"/>
+            <a:ext cx="10666421" cy="0"/>
+          </a:xfrm>
+          <a:prstGeom prst="line">
+            <a:avLst/>
+          </a:prstGeom>
+          <a:ln w="19050">
+            <a:solidFill>
+              <a:schemeClr val="accent6"/>
+            </a:solidFill>
+          </a:ln>
+        </p:spPr>
+        <p:style>
+          <a:lnRef idx="1">
+            <a:schemeClr val="accent1"/>
+          </a:lnRef>
+          <a:fillRef idx="0">
+            <a:schemeClr val="accent1"/>
+          </a:fillRef>
+          <a:effectRef idx="0">
+            <a:schemeClr val="accent1"/>
+          </a:effectRef>
+          <a:fontRef idx="minor">
+            <a:schemeClr val="tx1"/>
+          </a:fontRef>
+        </p:style>
+      </p:cxnSp>
+      <p:sp>
+        <p:nvSpPr>
+          <p:cNvPr id="62" name="직사각형 61"/>
+          <p:cNvSpPr/>
+          <p:nvPr/>
+        </p:nvSpPr>
+        <p:spPr>
+          <a:xfrm>
+            <a:off x="265814" y="244548"/>
+            <a:ext cx="720000" cy="720000"/>
+          </a:xfrm>
+          <a:prstGeom prst="rect">
+            <a:avLst/>
+          </a:prstGeom>
+          <a:solidFill>
+            <a:schemeClr val="accent6">
+              <a:lumMod val="60000"/>
+              <a:lumOff val="40000"/>
+            </a:schemeClr>
+          </a:solidFill>
+          <a:ln>
+            <a:noFill/>
+          </a:ln>
+        </p:spPr>
+        <p:style>
+          <a:lnRef idx="2">
+            <a:schemeClr val="accent1">
+              <a:shade val="50000"/>
+            </a:schemeClr>
+          </a:lnRef>
+          <a:fillRef idx="1">
+            <a:schemeClr val="accent1"/>
+          </a:fillRef>
+          <a:effectRef idx="0">
+            <a:schemeClr val="accent1"/>
+          </a:effectRef>
+          <a:fontRef idx="minor">
+            <a:schemeClr val="lt1"/>
+          </a:fontRef>
+        </p:style>
+        <p:txBody>
+          <a:bodyPr rot="0" spcFirstLastPara="0" vertOverflow="overflow" horzOverflow="overflow" vert="horz" wrap="square" lIns="91440" tIns="45720" rIns="91440" bIns="45720" numCol="1" spcCol="0" rtlCol="0" fromWordArt="0" anchor="ctr" anchorCtr="0" forceAA="0" compatLnSpc="1">
+            <a:prstTxWarp prst="textNoShape">
+              <a:avLst/>
+            </a:prstTxWarp>
+            <a:noAutofit/>
+          </a:bodyPr>
+          <a:lstStyle/>
+          <a:p>
+            <a:pPr algn="ctr"/>
+            <a:endParaRPr lang="ko-KR" altLang="en-US"/>
+          </a:p>
+        </p:txBody>
+      </p:sp>
+      <p:sp>
+        <p:nvSpPr>
+          <p:cNvPr id="63" name="TextBox 62"/>
+          <p:cNvSpPr txBox="1"/>
+          <p:nvPr/>
+        </p:nvSpPr>
+        <p:spPr>
+          <a:xfrm>
+            <a:off x="13845" y="392860"/>
+            <a:ext cx="1223938" cy="461665"/>
+          </a:xfrm>
+          <a:prstGeom prst="rect">
+            <a:avLst/>
+          </a:prstGeom>
+          <a:noFill/>
+        </p:spPr>
+        <p:txBody>
+          <a:bodyPr wrap="square" rtlCol="0">
+            <a:spAutoFit/>
+          </a:bodyPr>
+          <a:lstStyle/>
+          <a:p>
+            <a:pPr algn="ctr"/>
+            <a:r>
+              <a:rPr lang="en-US" altLang="ko-KR" sz="2400" b="1" dirty="0">
+                <a:solidFill>
+                  <a:schemeClr val="bg1"/>
+                </a:solidFill>
+              </a:rPr>
+              <a:t>END</a:t>
+            </a:r>
+            <a:endParaRPr lang="ko-KR" altLang="en-US" sz="2400" b="1" dirty="0">
+              <a:solidFill>
+                <a:schemeClr val="bg1"/>
+              </a:solidFill>
+            </a:endParaRPr>
+          </a:p>
+        </p:txBody>
+      </p:sp>
+      <p:grpSp>
+        <p:nvGrpSpPr>
+          <p:cNvPr id="64" name="그룹 63"/>
+          <p:cNvGrpSpPr/>
+          <p:nvPr/>
+        </p:nvGrpSpPr>
+        <p:grpSpPr>
+          <a:xfrm>
+            <a:off x="1188881" y="351819"/>
+            <a:ext cx="1013419" cy="660429"/>
+            <a:chOff x="1188881" y="351819"/>
+            <a:chExt cx="1013419" cy="660429"/>
+          </a:xfrm>
+        </p:grpSpPr>
+        <p:sp>
+          <p:nvSpPr>
+            <p:cNvPr id="65" name="TextBox 64"/>
+            <p:cNvSpPr txBox="1"/>
+            <p:nvPr/>
+          </p:nvSpPr>
+          <p:spPr>
+            <a:xfrm>
+              <a:off x="1188881" y="351819"/>
+              <a:ext cx="1013419" cy="276999"/>
+            </a:xfrm>
+            <a:prstGeom prst="rect">
+              <a:avLst/>
+            </a:prstGeom>
+            <a:noFill/>
+          </p:spPr>
+          <p:txBody>
+            <a:bodyPr wrap="none" rtlCol="0">
+              <a:spAutoFit/>
+            </a:bodyPr>
+            <a:lstStyle/>
+            <a:p>
+              <a:r>
+                <a:rPr lang="en-US" altLang="ko-KR" sz="1200" dirty="0"/>
+                <a:t>END </a:t>
+              </a:r>
+              <a:r>
+                <a:rPr lang="ko-KR" altLang="en-US" sz="1200" dirty="0"/>
+                <a:t>마지막</a:t>
+              </a:r>
+            </a:p>
+          </p:txBody>
+        </p:sp>
+        <p:sp>
+          <p:nvSpPr>
+            <p:cNvPr id="66" name="TextBox 65"/>
+            <p:cNvSpPr txBox="1"/>
+            <p:nvPr/>
+          </p:nvSpPr>
+          <p:spPr>
+            <a:xfrm>
+              <a:off x="1188881" y="581361"/>
+              <a:ext cx="920893" cy="430887"/>
+            </a:xfrm>
+            <a:prstGeom prst="rect">
+              <a:avLst/>
+            </a:prstGeom>
+            <a:noFill/>
+          </p:spPr>
+          <p:txBody>
+            <a:bodyPr wrap="none" rtlCol="0">
+              <a:spAutoFit/>
+            </a:bodyPr>
+            <a:lstStyle/>
+            <a:p>
+              <a:r>
+                <a:rPr lang="en-US" altLang="ko-KR" sz="2200" dirty="0"/>
+                <a:t>Q &amp; A</a:t>
+              </a:r>
+              <a:endParaRPr lang="ko-KR" altLang="en-US" sz="2200" dirty="0"/>
+            </a:p>
+          </p:txBody>
+        </p:sp>
+      </p:grpSp>
+      <p:sp>
+        <p:nvSpPr>
+          <p:cNvPr id="51" name="직사각형 50">
+            <a:extLst>
+              <a:ext uri="{FF2B5EF4-FFF2-40B4-BE49-F238E27FC236}">
+                <a16:creationId xmlns:a16="http://schemas.microsoft.com/office/drawing/2014/main" id="{BC73D0B8-A34E-4528-95A6-C2EEDE92AA86}"/>
+              </a:ext>
+            </a:extLst>
+          </p:cNvPr>
+          <p:cNvSpPr/>
+          <p:nvPr/>
+        </p:nvSpPr>
+        <p:spPr>
+          <a:xfrm>
+            <a:off x="696144" y="2361274"/>
+            <a:ext cx="2826702" cy="1791163"/>
+          </a:xfrm>
+          <a:prstGeom prst="rect">
+            <a:avLst/>
+          </a:prstGeom>
+          <a:solidFill>
+            <a:schemeClr val="accent1">
+              <a:alpha val="70000"/>
+            </a:schemeClr>
+          </a:solidFill>
+          <a:ln>
+            <a:noFill/>
+          </a:ln>
+        </p:spPr>
+        <p:style>
+          <a:lnRef idx="2">
+            <a:schemeClr val="accent1">
+              <a:shade val="50000"/>
+            </a:schemeClr>
+          </a:lnRef>
+          <a:fillRef idx="1">
+            <a:schemeClr val="accent1"/>
+          </a:fillRef>
+          <a:effectRef idx="0">
+            <a:schemeClr val="accent1"/>
+          </a:effectRef>
+          <a:fontRef idx="minor">
+            <a:schemeClr val="lt1"/>
+          </a:fontRef>
+        </p:style>
+        <p:txBody>
+          <a:bodyPr rot="0" spcFirstLastPara="0" vertOverflow="overflow" horzOverflow="overflow" vert="horz" wrap="square" lIns="91440" tIns="45720" rIns="91440" bIns="45720" numCol="1" spcCol="0" rtlCol="0" fromWordArt="0" anchor="ctr" anchorCtr="0" forceAA="0" compatLnSpc="1">
+            <a:prstTxWarp prst="textNoShape">
+              <a:avLst/>
+            </a:prstTxWarp>
+            <a:noAutofit/>
+          </a:bodyPr>
+          <a:lstStyle/>
+          <a:p>
+            <a:pPr algn="ctr"/>
+            <a:endParaRPr lang="ko-KR" altLang="en-US"/>
+          </a:p>
+        </p:txBody>
+      </p:sp>
+      <p:sp>
+        <p:nvSpPr>
+          <p:cNvPr id="72" name="TextBox 71">
+            <a:extLst>
+              <a:ext uri="{FF2B5EF4-FFF2-40B4-BE49-F238E27FC236}">
+                <a16:creationId xmlns:a16="http://schemas.microsoft.com/office/drawing/2014/main" id="{5AC90158-31CB-4F42-B1F5-251145633423}"/>
+              </a:ext>
+            </a:extLst>
+          </p:cNvPr>
+          <p:cNvSpPr txBox="1"/>
+          <p:nvPr/>
+        </p:nvSpPr>
+        <p:spPr>
+          <a:xfrm>
+            <a:off x="1515762" y="2828998"/>
+            <a:ext cx="2996718" cy="1323439"/>
+          </a:xfrm>
+          <a:prstGeom prst="rect">
+            <a:avLst/>
+          </a:prstGeom>
+          <a:noFill/>
+        </p:spPr>
+        <p:txBody>
+          <a:bodyPr wrap="none" rtlCol="0">
+            <a:spAutoFit/>
+          </a:bodyPr>
+          <a:lstStyle/>
+          <a:p>
+            <a:r>
+              <a:rPr lang="en-US" altLang="ko-KR" sz="8000" b="1" dirty="0">
+                <a:solidFill>
+                  <a:schemeClr val="bg1"/>
+                </a:solidFill>
+              </a:rPr>
+              <a:t>Q &amp; </a:t>
+            </a:r>
+            <a:r>
+              <a:rPr lang="en-US" altLang="ko-KR" sz="8000" b="1" dirty="0">
+                <a:solidFill>
+                  <a:schemeClr val="accent2"/>
+                </a:solidFill>
+              </a:rPr>
+              <a:t>A</a:t>
+            </a:r>
+            <a:endParaRPr lang="ko-KR" altLang="en-US" sz="8000" b="1" dirty="0">
+              <a:solidFill>
+                <a:schemeClr val="accent2"/>
+              </a:solidFill>
+            </a:endParaRPr>
+          </a:p>
+        </p:txBody>
+      </p:sp>
+      <p:grpSp>
+        <p:nvGrpSpPr>
+          <p:cNvPr id="14" name="그룹 13">
+            <a:extLst>
+              <a:ext uri="{FF2B5EF4-FFF2-40B4-BE49-F238E27FC236}">
+                <a16:creationId xmlns:a16="http://schemas.microsoft.com/office/drawing/2014/main" id="{BDCD53F7-4B27-43EE-BA68-CE08FDB1A376}"/>
+              </a:ext>
+            </a:extLst>
+          </p:cNvPr>
+          <p:cNvGrpSpPr/>
+          <p:nvPr/>
+        </p:nvGrpSpPr>
+        <p:grpSpPr>
+          <a:xfrm>
+            <a:off x="4239430" y="2015779"/>
+            <a:ext cx="546100" cy="546563"/>
+            <a:chOff x="-1803400" y="1892300"/>
+            <a:chExt cx="736600" cy="737225"/>
+          </a:xfrm>
+        </p:grpSpPr>
+        <p:cxnSp>
+          <p:nvCxnSpPr>
+            <p:cNvPr id="15" name="직선 연결선 14">
+              <a:extLst>
+                <a:ext uri="{FF2B5EF4-FFF2-40B4-BE49-F238E27FC236}">
+                  <a16:creationId xmlns:a16="http://schemas.microsoft.com/office/drawing/2014/main" id="{AA5C66F0-3D86-4F9A-925F-E9F4DA4447E2}"/>
+                </a:ext>
+              </a:extLst>
+            </p:cNvPr>
+            <p:cNvCxnSpPr/>
+            <p:nvPr/>
+          </p:nvCxnSpPr>
+          <p:spPr>
+            <a:xfrm flipH="1">
+              <a:off x="-1803400" y="1892300"/>
+              <a:ext cx="736600" cy="0"/>
+            </a:xfrm>
+            <a:prstGeom prst="line">
+              <a:avLst/>
+            </a:prstGeom>
+            <a:ln w="9525"/>
+          </p:spPr>
+          <p:style>
+            <a:lnRef idx="1">
+              <a:schemeClr val="accent1"/>
+            </a:lnRef>
+            <a:fillRef idx="0">
+              <a:schemeClr val="accent1"/>
+            </a:fillRef>
+            <a:effectRef idx="0">
+              <a:schemeClr val="accent1"/>
+            </a:effectRef>
+            <a:fontRef idx="minor">
+              <a:schemeClr val="tx1"/>
+            </a:fontRef>
+          </p:style>
+        </p:cxnSp>
+        <p:cxnSp>
+          <p:nvCxnSpPr>
+            <p:cNvPr id="17" name="직선 연결선 16">
+              <a:extLst>
+                <a:ext uri="{FF2B5EF4-FFF2-40B4-BE49-F238E27FC236}">
+                  <a16:creationId xmlns:a16="http://schemas.microsoft.com/office/drawing/2014/main" id="{36E10D6F-E06B-4863-A6D3-2EB281ED9271}"/>
+                </a:ext>
+              </a:extLst>
+            </p:cNvPr>
+            <p:cNvCxnSpPr/>
+            <p:nvPr/>
+          </p:nvCxnSpPr>
+          <p:spPr>
+            <a:xfrm rot="5400000" flipH="1">
+              <a:off x="-2171700" y="2261225"/>
+              <a:ext cx="736600" cy="0"/>
+            </a:xfrm>
+            <a:prstGeom prst="line">
+              <a:avLst/>
+            </a:prstGeom>
+            <a:ln w="9525"/>
+          </p:spPr>
+          <p:style>
+            <a:lnRef idx="1">
+              <a:schemeClr val="accent1"/>
+            </a:lnRef>
+            <a:fillRef idx="0">
+              <a:schemeClr val="accent1"/>
+            </a:fillRef>
+            <a:effectRef idx="0">
+              <a:schemeClr val="accent1"/>
+            </a:effectRef>
+            <a:fontRef idx="minor">
+              <a:schemeClr val="tx1"/>
+            </a:fontRef>
+          </p:style>
+        </p:cxnSp>
+      </p:grpSp>
+      <p:grpSp>
+        <p:nvGrpSpPr>
+          <p:cNvPr id="18" name="그룹 17">
+            <a:extLst>
+              <a:ext uri="{FF2B5EF4-FFF2-40B4-BE49-F238E27FC236}">
+                <a16:creationId xmlns:a16="http://schemas.microsoft.com/office/drawing/2014/main" id="{C29D6B18-01C9-4A39-BB86-A50EBFBCA061}"/>
+              </a:ext>
+            </a:extLst>
+          </p:cNvPr>
+          <p:cNvGrpSpPr/>
+          <p:nvPr/>
+        </p:nvGrpSpPr>
+        <p:grpSpPr>
+          <a:xfrm rot="10800000">
+            <a:off x="10949756" y="3155718"/>
+            <a:ext cx="546100" cy="546563"/>
+            <a:chOff x="-1803400" y="1892300"/>
+            <a:chExt cx="736600" cy="737225"/>
+          </a:xfrm>
+        </p:grpSpPr>
+        <p:cxnSp>
+          <p:nvCxnSpPr>
+            <p:cNvPr id="19" name="직선 연결선 18">
+              <a:extLst>
+                <a:ext uri="{FF2B5EF4-FFF2-40B4-BE49-F238E27FC236}">
+                  <a16:creationId xmlns:a16="http://schemas.microsoft.com/office/drawing/2014/main" id="{1FBA8D68-285F-4717-B66E-1177D87AE7D2}"/>
+                </a:ext>
+              </a:extLst>
+            </p:cNvPr>
+            <p:cNvCxnSpPr/>
+            <p:nvPr/>
+          </p:nvCxnSpPr>
+          <p:spPr>
+            <a:xfrm flipH="1">
+              <a:off x="-1803400" y="1892300"/>
+              <a:ext cx="736600" cy="0"/>
+            </a:xfrm>
+            <a:prstGeom prst="line">
+              <a:avLst/>
+            </a:prstGeom>
+            <a:ln w="9525"/>
+          </p:spPr>
+          <p:style>
+            <a:lnRef idx="1">
+              <a:schemeClr val="accent1"/>
+            </a:lnRef>
+            <a:fillRef idx="0">
+              <a:schemeClr val="accent1"/>
+            </a:fillRef>
+            <a:effectRef idx="0">
+              <a:schemeClr val="accent1"/>
+            </a:effectRef>
+            <a:fontRef idx="minor">
+              <a:schemeClr val="tx1"/>
+            </a:fontRef>
+          </p:style>
+        </p:cxnSp>
+        <p:cxnSp>
+          <p:nvCxnSpPr>
+            <p:cNvPr id="20" name="직선 연결선 19">
+              <a:extLst>
+                <a:ext uri="{FF2B5EF4-FFF2-40B4-BE49-F238E27FC236}">
+                  <a16:creationId xmlns:a16="http://schemas.microsoft.com/office/drawing/2014/main" id="{50492348-072B-4EE4-AC0B-4E2665191ECA}"/>
+                </a:ext>
+              </a:extLst>
+            </p:cNvPr>
+            <p:cNvCxnSpPr/>
+            <p:nvPr/>
+          </p:nvCxnSpPr>
+          <p:spPr>
+            <a:xfrm rot="5400000" flipH="1">
+              <a:off x="-2171700" y="2261225"/>
+              <a:ext cx="736600" cy="0"/>
+            </a:xfrm>
+            <a:prstGeom prst="line">
+              <a:avLst/>
+            </a:prstGeom>
+            <a:ln w="9525"/>
+          </p:spPr>
+          <p:style>
+            <a:lnRef idx="1">
+              <a:schemeClr val="accent1"/>
+            </a:lnRef>
+            <a:fillRef idx="0">
+              <a:schemeClr val="accent1"/>
+            </a:fillRef>
+            <a:effectRef idx="0">
+              <a:schemeClr val="accent1"/>
+            </a:effectRef>
+            <a:fontRef idx="minor">
+              <a:schemeClr val="tx1"/>
+            </a:fontRef>
+          </p:style>
+        </p:cxnSp>
+      </p:grpSp>
+      <p:sp>
+        <p:nvSpPr>
+          <p:cNvPr id="21" name="TextBox 20">
+            <a:extLst>
+              <a:ext uri="{FF2B5EF4-FFF2-40B4-BE49-F238E27FC236}">
+                <a16:creationId xmlns:a16="http://schemas.microsoft.com/office/drawing/2014/main" id="{77945357-7A2D-47F1-B09E-D4A44E44CA0A}"/>
+              </a:ext>
+            </a:extLst>
+          </p:cNvPr>
+          <p:cNvSpPr txBox="1"/>
+          <p:nvPr/>
+        </p:nvSpPr>
+        <p:spPr>
+          <a:xfrm>
+            <a:off x="4570426" y="2645964"/>
+            <a:ext cx="6884793" cy="1477328"/>
+          </a:xfrm>
+          <a:prstGeom prst="rect">
+            <a:avLst/>
+          </a:prstGeom>
+          <a:noFill/>
+        </p:spPr>
+        <p:txBody>
+          <a:bodyPr wrap="square" rtlCol="0">
+            <a:spAutoFit/>
+          </a:bodyPr>
+          <a:lstStyle/>
+          <a:p>
+            <a:pPr marL="228600" indent="-228600" algn="just">
+              <a:buAutoNum type="arabicPeriod"/>
+            </a:pPr>
+            <a:r>
+              <a:rPr lang="ko-KR" altLang="en-US" sz="1500" dirty="0"/>
+              <a:t>서버의 개발을 완료</a:t>
+            </a:r>
+            <a:endParaRPr lang="en-US" altLang="ko-KR" sz="1500" dirty="0"/>
+          </a:p>
+          <a:p>
+            <a:pPr marL="228600" indent="-228600" algn="just">
+              <a:buAutoNum type="arabicPeriod"/>
+            </a:pPr>
+            <a:r>
+              <a:rPr lang="ko-KR" altLang="en-US" sz="1500" dirty="0"/>
+              <a:t>영상을 통해 여러 객체에서 사람을 찾는 알고리즘에 대한 연구</a:t>
+            </a:r>
+            <a:endParaRPr lang="en-US" altLang="ko-KR" sz="1500" dirty="0"/>
+          </a:p>
+          <a:p>
+            <a:pPr marL="228600" indent="-228600" algn="just">
+              <a:buAutoNum type="arabicPeriod"/>
+            </a:pPr>
+            <a:r>
+              <a:rPr lang="ko-KR" altLang="en-US" sz="1500" dirty="0"/>
+              <a:t>공공 </a:t>
+            </a:r>
+            <a:r>
+              <a:rPr lang="en-US" altLang="ko-KR" sz="1500" dirty="0"/>
+              <a:t>API </a:t>
+            </a:r>
+            <a:r>
+              <a:rPr lang="ko-KR" altLang="en-US" sz="1500" dirty="0"/>
+              <a:t>를 통해 얻은 자료를 어떻게 사용자들에게 나타내 줄지에 대해 연구</a:t>
+            </a:r>
+            <a:endParaRPr lang="en-US" altLang="ko-KR" sz="1500" dirty="0"/>
+          </a:p>
+          <a:p>
+            <a:pPr marL="228600" indent="-228600" algn="just">
+              <a:buAutoNum type="arabicPeriod"/>
+            </a:pPr>
+            <a:endParaRPr lang="en-US" altLang="ko-KR" sz="1500" dirty="0"/>
+          </a:p>
+          <a:p>
+            <a:pPr algn="just"/>
+            <a:endParaRPr lang="en-US" altLang="ko-KR" sz="1500" dirty="0">
+              <a:solidFill>
+                <a:schemeClr val="tx2"/>
+              </a:solidFill>
+            </a:endParaRPr>
+          </a:p>
+          <a:p>
+            <a:pPr algn="just"/>
+            <a:endParaRPr lang="en-US" altLang="ko-KR" sz="1500" dirty="0">
+              <a:solidFill>
+                <a:schemeClr val="tx2"/>
+              </a:solidFill>
+            </a:endParaRPr>
+          </a:p>
+        </p:txBody>
+      </p:sp>
+      <p:sp>
+        <p:nvSpPr>
+          <p:cNvPr id="22" name="TextBox 21">
+            <a:extLst>
+              <a:ext uri="{FF2B5EF4-FFF2-40B4-BE49-F238E27FC236}">
+                <a16:creationId xmlns:a16="http://schemas.microsoft.com/office/drawing/2014/main" id="{1E986CA5-4239-48E7-97CD-129F4BD81EDB}"/>
+              </a:ext>
+            </a:extLst>
+          </p:cNvPr>
+          <p:cNvSpPr txBox="1"/>
+          <p:nvPr/>
+        </p:nvSpPr>
+        <p:spPr>
+          <a:xfrm>
+            <a:off x="5502114" y="1253278"/>
+            <a:ext cx="4698722" cy="1107996"/>
+          </a:xfrm>
+          <a:prstGeom prst="rect">
+            <a:avLst/>
+          </a:prstGeom>
+          <a:noFill/>
+        </p:spPr>
+        <p:txBody>
+          <a:bodyPr wrap="none" rtlCol="0">
+            <a:spAutoFit/>
+          </a:bodyPr>
+          <a:lstStyle/>
+          <a:p>
+            <a:r>
+              <a:rPr lang="ko-KR" altLang="en-US" sz="6600" dirty="0">
+                <a:solidFill>
+                  <a:schemeClr val="accent2"/>
+                </a:solidFill>
+                <a:latin typeface="HY견고딕" panose="02030600000101010101" pitchFamily="18" charset="-127"/>
+                <a:ea typeface="HY견고딕" panose="02030600000101010101" pitchFamily="18" charset="-127"/>
+              </a:rPr>
+              <a:t>다음주 일정</a:t>
+            </a:r>
+          </a:p>
+        </p:txBody>
+      </p:sp>
+    </p:spTree>
+    <p:extLst>
+      <p:ext uri="{BB962C8B-B14F-4D97-AF65-F5344CB8AC3E}">
+        <p14:creationId xmlns:p14="http://schemas.microsoft.com/office/powerpoint/2010/main" val="543697527"/>
       </p:ext>
     </p:extLst>
   </p:cSld>
